--- a/李梓钧.pptx
+++ b/李梓钧.pptx
@@ -214,7 +214,7 @@
           <a:p>
             <a:fld id="{162891FD-E625-4988-9103-81CB54327562}" type="datetimeFigureOut">
               <a:rPr lang="zh-CN" altLang="en-US" smtClean="0"/>
-              <a:t>2016/8/22</a:t>
+              <a:t>2016/8/25</a:t>
             </a:fld>
             <a:endParaRPr lang="zh-CN" altLang="en-US"/>
           </a:p>
@@ -1068,7 +1068,7 @@
           <a:p>
             <a:fld id="{F6B75483-8A15-4DC1-83B9-BD1332A5715D}" type="datetimeFigureOut">
               <a:rPr lang="zh-CN" altLang="en-US" smtClean="0"/>
-              <a:t>2016/8/22</a:t>
+              <a:t>2016/8/25</a:t>
             </a:fld>
             <a:endParaRPr lang="zh-CN" altLang="en-US"/>
           </a:p>
@@ -1305,7 +1305,7 @@
           <a:p>
             <a:fld id="{F6B75483-8A15-4DC1-83B9-BD1332A5715D}" type="datetimeFigureOut">
               <a:rPr lang="zh-CN" altLang="en-US" smtClean="0"/>
-              <a:t>2016/8/22</a:t>
+              <a:t>2016/8/25</a:t>
             </a:fld>
             <a:endParaRPr lang="zh-CN" altLang="en-US"/>
           </a:p>
@@ -1480,7 +1480,7 @@
           <a:p>
             <a:fld id="{F6B75483-8A15-4DC1-83B9-BD1332A5715D}" type="datetimeFigureOut">
               <a:rPr lang="zh-CN" altLang="en-US" smtClean="0"/>
-              <a:t>2016/8/22</a:t>
+              <a:t>2016/8/25</a:t>
             </a:fld>
             <a:endParaRPr lang="zh-CN" altLang="en-US"/>
           </a:p>
@@ -1570,7 +1570,7 @@
           <a:p>
             <a:fld id="{F6B75483-8A15-4DC1-83B9-BD1332A5715D}" type="datetimeFigureOut">
               <a:rPr lang="zh-CN" altLang="en-US" smtClean="0"/>
-              <a:t>2016/8/22</a:t>
+              <a:t>2016/8/25</a:t>
             </a:fld>
             <a:endParaRPr lang="zh-CN" altLang="en-US"/>
           </a:p>
@@ -1889,7 +1889,7 @@
           <a:p>
             <a:fld id="{F6B75483-8A15-4DC1-83B9-BD1332A5715D}" type="datetimeFigureOut">
               <a:rPr lang="zh-CN" altLang="en-US" smtClean="0"/>
-              <a:t>2016/8/22</a:t>
+              <a:t>2016/8/25</a:t>
             </a:fld>
             <a:endParaRPr lang="zh-CN" altLang="en-US"/>
           </a:p>
@@ -2045,7 +2045,7 @@
           <a:p>
             <a:fld id="{F6B75483-8A15-4DC1-83B9-BD1332A5715D}" type="datetimeFigureOut">
               <a:rPr lang="zh-CN" altLang="en-US" smtClean="0"/>
-              <a:t>2016/8/22</a:t>
+              <a:t>2016/8/25</a:t>
             </a:fld>
             <a:endParaRPr lang="zh-CN" altLang="en-US"/>
           </a:p>
@@ -2309,7 +2309,7 @@
           <a:p>
             <a:fld id="{F6B75483-8A15-4DC1-83B9-BD1332A5715D}" type="datetimeFigureOut">
               <a:rPr lang="zh-CN" altLang="en-US" smtClean="0"/>
-              <a:t>2016/8/22</a:t>
+              <a:t>2016/8/25</a:t>
             </a:fld>
             <a:endParaRPr lang="zh-CN" altLang="en-US"/>
           </a:p>
@@ -2603,7 +2603,7 @@
           <a:p>
             <a:fld id="{F6B75483-8A15-4DC1-83B9-BD1332A5715D}" type="datetimeFigureOut">
               <a:rPr lang="zh-CN" altLang="en-US" smtClean="0"/>
-              <a:t>2016/8/22</a:t>
+              <a:t>2016/8/25</a:t>
             </a:fld>
             <a:endParaRPr lang="zh-CN" altLang="en-US"/>
           </a:p>
@@ -2782,7 +2782,7 @@
           <a:p>
             <a:fld id="{F6B75483-8A15-4DC1-83B9-BD1332A5715D}" type="datetimeFigureOut">
               <a:rPr lang="zh-CN" altLang="en-US" smtClean="0"/>
-              <a:t>2016/8/22</a:t>
+              <a:t>2016/8/25</a:t>
             </a:fld>
             <a:endParaRPr lang="zh-CN" altLang="en-US"/>
           </a:p>
@@ -3054,7 +3054,7 @@
           <a:p>
             <a:fld id="{F6B75483-8A15-4DC1-83B9-BD1332A5715D}" type="datetimeFigureOut">
               <a:rPr lang="zh-CN" altLang="en-US" smtClean="0"/>
-              <a:t>2016/8/22</a:t>
+              <a:t>2016/8/25</a:t>
             </a:fld>
             <a:endParaRPr lang="zh-CN" altLang="en-US"/>
           </a:p>
@@ -3302,7 +3302,7 @@
           <a:p>
             <a:fld id="{F6B75483-8A15-4DC1-83B9-BD1332A5715D}" type="datetimeFigureOut">
               <a:rPr lang="zh-CN" altLang="en-US" smtClean="0"/>
-              <a:t>2016/8/22</a:t>
+              <a:t>2016/8/25</a:t>
             </a:fld>
             <a:endParaRPr lang="zh-CN" altLang="en-US"/>
           </a:p>
@@ -3510,7 +3510,7 @@
           <a:p>
             <a:fld id="{F6B75483-8A15-4DC1-83B9-BD1332A5715D}" type="datetimeFigureOut">
               <a:rPr lang="zh-CN" altLang="en-US" smtClean="0"/>
-              <a:t>2016/8/22</a:t>
+              <a:t>2016/8/25</a:t>
             </a:fld>
             <a:endParaRPr lang="zh-CN" altLang="en-US"/>
           </a:p>
@@ -4471,7 +4471,7 @@
         </p:blipFill>
         <p:spPr>
           <a:xfrm>
-            <a:off x="1115616" y="1079847"/>
+            <a:off x="-972616" y="1151855"/>
             <a:ext cx="6117582" cy="4564800"/>
           </a:xfrm>
           <a:prstGeom prst="rect">
@@ -4585,7 +4585,112 @@
         </p:nvSpPr>
         <p:spPr>
           <a:xfrm>
-            <a:off x="755576" y="1151855"/>
+            <a:off x="901233" y="2231975"/>
+            <a:ext cx="4572000" cy="2308324"/>
+          </a:xfrm>
+          <a:prstGeom prst="rect">
+            <a:avLst/>
+          </a:prstGeom>
+        </p:spPr>
+        <p:txBody>
+          <a:bodyPr>
+            <a:spAutoFit/>
+          </a:bodyPr>
+          <a:lstStyle/>
+          <a:p>
+            <a:r>
+              <a:rPr lang="zh-CN" altLang="en-US" dirty="0"/>
+              <a:t>综</a:t>
+            </a:r>
+            <a:r>
+              <a:rPr lang="zh-CN" altLang="en-US" dirty="0" smtClean="0"/>
+              <a:t>合考虑平台支持和算法覆盖率，最终选择</a:t>
+            </a:r>
+            <a:r>
+              <a:rPr lang="en-US" altLang="zh-CN" dirty="0" err="1" smtClean="0"/>
+              <a:t>SparkMLib</a:t>
+            </a:r>
+            <a:r>
+              <a:rPr lang="zh-CN" altLang="en-US" dirty="0" smtClean="0"/>
+              <a:t>和</a:t>
+            </a:r>
+            <a:r>
+              <a:rPr lang="en-US" altLang="zh-CN" dirty="0" smtClean="0"/>
+              <a:t>H2O</a:t>
+            </a:r>
+            <a:r>
+              <a:rPr lang="zh-CN" altLang="en-US" dirty="0" smtClean="0"/>
+              <a:t>。</a:t>
+            </a:r>
+            <a:endParaRPr lang="en-US" altLang="zh-CN" dirty="0" smtClean="0"/>
+          </a:p>
+          <a:p>
+            <a:r>
+              <a:rPr lang="zh-CN" altLang="en-US" dirty="0" smtClean="0"/>
+              <a:t>两者的速度都很快，</a:t>
+            </a:r>
+            <a:r>
+              <a:rPr lang="zh-CN" altLang="en-US" dirty="0" smtClean="0"/>
+              <a:t>可扩展性（对不同大小数据集的支持）都很好。</a:t>
+            </a:r>
+            <a:endParaRPr lang="en-US" altLang="zh-CN" dirty="0" smtClean="0"/>
+          </a:p>
+          <a:p>
+            <a:r>
+              <a:rPr lang="zh-CN" altLang="en-US" dirty="0"/>
+              <a:t>如</a:t>
+            </a:r>
+            <a:r>
+              <a:rPr lang="zh-CN" altLang="en-US" dirty="0" smtClean="0"/>
+              <a:t>果有可视化界面以及深度学习的需求，那么</a:t>
+            </a:r>
+            <a:r>
+              <a:rPr lang="en-US" altLang="zh-CN" dirty="0" smtClean="0"/>
+              <a:t>H2O</a:t>
+            </a:r>
+            <a:r>
+              <a:rPr lang="zh-CN" altLang="en-US" dirty="0" smtClean="0"/>
+              <a:t>将是更好的选择，</a:t>
+            </a:r>
+            <a:r>
+              <a:rPr lang="en-US" altLang="zh-CN" dirty="0" smtClean="0"/>
+              <a:t>H2O</a:t>
+            </a:r>
+            <a:r>
+              <a:rPr lang="zh-CN" altLang="en-US" dirty="0"/>
+              <a:t>提</a:t>
+            </a:r>
+            <a:r>
+              <a:rPr lang="zh-CN" altLang="en-US" dirty="0" smtClean="0"/>
+              <a:t>供了简单易用的</a:t>
+            </a:r>
+            <a:r>
+              <a:rPr lang="en-US" altLang="zh-CN" dirty="0" err="1" smtClean="0"/>
+              <a:t>webUI</a:t>
+            </a:r>
+            <a:endParaRPr lang="en-US" altLang="zh-CN" dirty="0" smtClean="0"/>
+          </a:p>
+          <a:p>
+            <a:r>
+              <a:rPr lang="en-US" altLang="zh-CN" dirty="0"/>
+              <a:t>http://www.h2o.ai/product</a:t>
+            </a:r>
+            <a:r>
+              <a:rPr lang="en-US" altLang="zh-CN" dirty="0" smtClean="0"/>
+              <a:t>/</a:t>
+            </a:r>
+          </a:p>
+        </p:txBody>
+      </p:sp>
+      <p:sp>
+        <p:nvSpPr>
+          <p:cNvPr id="3" name="矩形 2"/>
+          <p:cNvSpPr/>
+          <p:nvPr/>
+        </p:nvSpPr>
+        <p:spPr>
+          <a:xfrm>
+            <a:off x="907976" y="1304255"/>
             <a:ext cx="4572000" cy="369332"/>
           </a:xfrm>
           <a:prstGeom prst="rect">

--- a/李梓钧.pptx
+++ b/李梓钧.pptx
@@ -5,16 +5,20 @@
     <p:sldMasterId id="2147483648" r:id="rId1"/>
   </p:sldMasterIdLst>
   <p:notesMasterIdLst>
-    <p:notesMasterId r:id="rId9"/>
+    <p:notesMasterId r:id="rId13"/>
   </p:notesMasterIdLst>
   <p:sldIdLst>
     <p:sldId id="256" r:id="rId2"/>
-    <p:sldId id="273" r:id="rId3"/>
-    <p:sldId id="274" r:id="rId4"/>
-    <p:sldId id="275" r:id="rId5"/>
-    <p:sldId id="276" r:id="rId6"/>
-    <p:sldId id="270" r:id="rId7"/>
-    <p:sldId id="261" r:id="rId8"/>
+    <p:sldId id="281" r:id="rId3"/>
+    <p:sldId id="277" r:id="rId4"/>
+    <p:sldId id="278" r:id="rId5"/>
+    <p:sldId id="280" r:id="rId6"/>
+    <p:sldId id="279" r:id="rId7"/>
+    <p:sldId id="274" r:id="rId8"/>
+    <p:sldId id="275" r:id="rId9"/>
+    <p:sldId id="276" r:id="rId10"/>
+    <p:sldId id="270" r:id="rId11"/>
+    <p:sldId id="261" r:id="rId12"/>
   </p:sldIdLst>
   <p:sldSz cx="9144000" cy="6480175"/>
   <p:notesSz cx="6858000" cy="9144000"/>
@@ -214,7 +218,7 @@
           <a:p>
             <a:fld id="{162891FD-E625-4988-9103-81CB54327562}" type="datetimeFigureOut">
               <a:rPr lang="zh-CN" altLang="en-US" smtClean="0"/>
-              <a:t>2016/8/25</a:t>
+              <a:t>2016/8/26</a:t>
             </a:fld>
             <a:endParaRPr lang="zh-CN" altLang="en-US"/>
           </a:p>
@@ -526,7 +530,7 @@
           <a:bodyPr/>
           <a:lstStyle/>
           <a:p>
-            <a:endParaRPr lang="en-US" altLang="zh-CN" dirty="0" smtClean="0"/>
+            <a:endParaRPr lang="en-US" altLang="zh-CN" smtClean="0"/>
           </a:p>
         </p:txBody>
       </p:sp>
@@ -610,7 +614,7 @@
           <a:bodyPr/>
           <a:lstStyle/>
           <a:p>
-            <a:endParaRPr lang="zh-CN" altLang="en-US" dirty="0"/>
+            <a:endParaRPr lang="zh-CN" altLang="en-US"/>
           </a:p>
         </p:txBody>
       </p:sp>
@@ -640,7 +644,7 @@
     </p:spTree>
     <p:extLst>
       <p:ext uri="{BB962C8B-B14F-4D97-AF65-F5344CB8AC3E}">
-        <p14:creationId xmlns:p14="http://schemas.microsoft.com/office/powerpoint/2010/main" val="2208576419"/>
+        <p14:creationId xmlns:p14="http://schemas.microsoft.com/office/powerpoint/2010/main" val="389754583"/>
       </p:ext>
     </p:extLst>
   </p:cSld>
@@ -694,7 +698,51 @@
           <a:bodyPr/>
           <a:lstStyle/>
           <a:p>
-            <a:endParaRPr lang="zh-CN" altLang="en-US" dirty="0"/>
+            <a:r>
+              <a:rPr lang="zh-CN" altLang="en-US" smtClean="0"/>
+              <a:t>包含算法：</a:t>
+            </a:r>
+          </a:p>
+          <a:p>
+            <a:r>
+              <a:rPr lang="zh-CN" altLang="en-US" smtClean="0"/>
+              <a:t>数据预处理、分类、回归、聚类、关联规则、可视化</a:t>
+            </a:r>
+          </a:p>
+          <a:p>
+            <a:r>
+              <a:rPr lang="zh-CN" altLang="en-US" smtClean="0"/>
+              <a:t>一个具有图形界面的基于</a:t>
+            </a:r>
+            <a:r>
+              <a:rPr lang="en-US" altLang="zh-CN" smtClean="0"/>
+              <a:t>java</a:t>
+            </a:r>
+            <a:r>
+              <a:rPr lang="zh-CN" altLang="en-US" smtClean="0"/>
+              <a:t>的库，可以运行小数据集的实验。</a:t>
+            </a:r>
+          </a:p>
+          <a:p>
+            <a:r>
+              <a:rPr lang="zh-CN" altLang="en-US" smtClean="0"/>
+              <a:t>缺点：</a:t>
+            </a:r>
+          </a:p>
+          <a:p>
+            <a:r>
+              <a:rPr lang="zh-CN" altLang="en-US" smtClean="0"/>
+              <a:t>缺少相应文档，</a:t>
+            </a:r>
+            <a:r>
+              <a:rPr lang="en-US" altLang="zh-CN" err="1" smtClean="0"/>
+              <a:t>api</a:t>
+            </a:r>
+            <a:r>
+              <a:rPr lang="zh-CN" altLang="en-US" smtClean="0"/>
+              <a:t>设计糟糕，不适用于生产</a:t>
+            </a:r>
+            <a:endParaRPr lang="zh-CN" altLang="en-US"/>
           </a:p>
         </p:txBody>
       </p:sp>
@@ -724,7 +772,7 @@
     </p:spTree>
     <p:extLst>
       <p:ext uri="{BB962C8B-B14F-4D97-AF65-F5344CB8AC3E}">
-        <p14:creationId xmlns:p14="http://schemas.microsoft.com/office/powerpoint/2010/main" val="1010361832"/>
+        <p14:creationId xmlns:p14="http://schemas.microsoft.com/office/powerpoint/2010/main" val="384223625"/>
       </p:ext>
     </p:extLst>
   </p:cSld>
@@ -778,113 +826,7 @@
           <a:bodyPr/>
           <a:lstStyle/>
           <a:p>
-            <a:r>
-              <a:rPr lang="zh-CN" altLang="en-US" dirty="0" smtClean="0"/>
-              <a:t>对于一般的需求，</a:t>
-            </a:r>
-            <a:r>
-              <a:rPr lang="en-US" altLang="zh-CN" dirty="0" smtClean="0"/>
-              <a:t>MLib</a:t>
-            </a:r>
-            <a:r>
-              <a:rPr lang="zh-CN" altLang="en-US" dirty="0" smtClean="0"/>
-              <a:t>和</a:t>
-            </a:r>
-            <a:r>
-              <a:rPr lang="en-US" altLang="zh-CN" dirty="0" smtClean="0"/>
-              <a:t>H2O</a:t>
-            </a:r>
-            <a:r>
-              <a:rPr lang="zh-CN" altLang="en-US" dirty="0" smtClean="0"/>
-              <a:t>是非常好的选择，这两个框架的速度都很快，可扩展性（对不同大小的数据集的支持）都很好。</a:t>
-            </a:r>
-          </a:p>
-          <a:p>
-            <a:r>
-              <a:rPr lang="zh-CN" altLang="en-US" dirty="0" smtClean="0"/>
-              <a:t>这两个框架对算法的选择有相当大的不同。</a:t>
-            </a:r>
-          </a:p>
-          <a:p>
-            <a:r>
-              <a:rPr lang="en-US" altLang="zh-CN" dirty="0" smtClean="0"/>
-              <a:t>MLib</a:t>
-            </a:r>
-            <a:r>
-              <a:rPr lang="zh-CN" altLang="en-US" dirty="0" smtClean="0"/>
-              <a:t>在大部分机器学习领域提供了更好的选择，</a:t>
-            </a:r>
-            <a:r>
-              <a:rPr lang="en-US" altLang="zh-CN" dirty="0" smtClean="0"/>
-              <a:t>H2O</a:t>
-            </a:r>
-            <a:r>
-              <a:rPr lang="zh-CN" altLang="en-US" dirty="0" smtClean="0"/>
-              <a:t>则是唯一具有深度学习解决方案的工具。</a:t>
-            </a:r>
-          </a:p>
-          <a:p>
-            <a:r>
-              <a:rPr lang="zh-CN" altLang="en-US" dirty="0" smtClean="0"/>
-              <a:t>可用性：两者都提供了多种编程语言的</a:t>
-            </a:r>
-            <a:r>
-              <a:rPr lang="en-US" altLang="zh-CN" dirty="0" err="1" smtClean="0"/>
-              <a:t>api</a:t>
-            </a:r>
-            <a:r>
-              <a:rPr lang="zh-CN" altLang="en-US" dirty="0" smtClean="0"/>
-              <a:t>，但是</a:t>
-            </a:r>
-            <a:r>
-              <a:rPr lang="en-US" altLang="zh-CN" dirty="0" smtClean="0"/>
-              <a:t>H2O</a:t>
-            </a:r>
-            <a:r>
-              <a:rPr lang="zh-CN" altLang="en-US" dirty="0" smtClean="0"/>
-              <a:t>提供了</a:t>
-            </a:r>
-            <a:r>
-              <a:rPr lang="en-US" altLang="zh-CN" dirty="0" smtClean="0"/>
-              <a:t>GUI</a:t>
-            </a:r>
-            <a:r>
-              <a:rPr lang="zh-CN" altLang="en-US" dirty="0" smtClean="0"/>
-              <a:t>图形界面。</a:t>
-            </a:r>
-          </a:p>
-          <a:p>
-            <a:r>
-              <a:rPr lang="zh-CN" altLang="en-US" dirty="0" smtClean="0"/>
-              <a:t>	</a:t>
-            </a:r>
-          </a:p>
-          <a:p>
-            <a:r>
-              <a:rPr lang="en-US" altLang="zh-CN" dirty="0" smtClean="0"/>
-              <a:t>SAMOA</a:t>
-            </a:r>
-            <a:r>
-              <a:rPr lang="zh-CN" altLang="en-US" dirty="0" smtClean="0"/>
-              <a:t>和</a:t>
-            </a:r>
-            <a:r>
-              <a:rPr lang="en-US" altLang="zh-CN" dirty="0" smtClean="0"/>
-              <a:t>Mahout</a:t>
-            </a:r>
-            <a:r>
-              <a:rPr lang="zh-CN" altLang="en-US" dirty="0" smtClean="0"/>
-              <a:t>专注于提供平台给用户接入自己的学习算法。所以它们都没有提供必需的算法。</a:t>
-            </a:r>
-            <a:r>
-              <a:rPr lang="en-US" altLang="zh-CN" dirty="0" smtClean="0"/>
-              <a:t>SAMOA</a:t>
-            </a:r>
-            <a:r>
-              <a:rPr lang="zh-CN" altLang="en-US" dirty="0" smtClean="0"/>
-              <a:t>允许用户创建数据流算法，是唯一一个为真正的实时数据流设计的框架，使其成为最快和最具扩展性的选项。</a:t>
-            </a:r>
-            <a:endParaRPr lang="zh-CN" altLang="en-US" dirty="0"/>
+            <a:endParaRPr lang="zh-CN" altLang="en-US"/>
           </a:p>
         </p:txBody>
       </p:sp>
@@ -914,7 +856,7 @@
     </p:spTree>
     <p:extLst>
       <p:ext uri="{BB962C8B-B14F-4D97-AF65-F5344CB8AC3E}">
-        <p14:creationId xmlns:p14="http://schemas.microsoft.com/office/powerpoint/2010/main" val="1579436273"/>
+        <p14:creationId xmlns:p14="http://schemas.microsoft.com/office/powerpoint/2010/main" val="2639362461"/>
       </p:ext>
     </p:extLst>
   </p:cSld>
@@ -968,7 +910,7 @@
           <a:bodyPr/>
           <a:lstStyle/>
           <a:p>
-            <a:endParaRPr lang="zh-CN" altLang="en-US" dirty="0"/>
+            <a:endParaRPr lang="zh-CN" altLang="en-US"/>
           </a:p>
         </p:txBody>
       </p:sp>
@@ -990,6 +932,560 @@
             <a:fld id="{8AE91372-3A34-4F60-BE47-6251FE45EAE7}" type="slidenum">
               <a:rPr lang="zh-CN" altLang="en-US" smtClean="0"/>
               <a:t>5</a:t>
+            </a:fld>
+            <a:endParaRPr lang="zh-CN" altLang="en-US"/>
+          </a:p>
+        </p:txBody>
+      </p:sp>
+    </p:spTree>
+    <p:extLst>
+      <p:ext uri="{BB962C8B-B14F-4D97-AF65-F5344CB8AC3E}">
+        <p14:creationId xmlns:p14="http://schemas.microsoft.com/office/powerpoint/2010/main" val="4134240016"/>
+      </p:ext>
+    </p:extLst>
+  </p:cSld>
+  <p:clrMapOvr>
+    <a:masterClrMapping/>
+  </p:clrMapOvr>
+</p:notes>
+</file>
+
+<file path=ppt/notesSlides/notesSlide6.xml><?xml version="1.0" encoding="utf-8"?>
+<p:notes xmlns:a="http://schemas.openxmlformats.org/drawingml/2006/main" xmlns:r="http://schemas.openxmlformats.org/officeDocument/2006/relationships" xmlns:p="http://schemas.openxmlformats.org/presentationml/2006/main">
+  <p:cSld>
+    <p:spTree>
+      <p:nvGrpSpPr>
+        <p:cNvPr id="1" name=""/>
+        <p:cNvGrpSpPr/>
+        <p:nvPr/>
+      </p:nvGrpSpPr>
+      <p:grpSpPr>
+        <a:xfrm>
+          <a:off x="0" y="0"/>
+          <a:ext cx="0" cy="0"/>
+          <a:chOff x="0" y="0"/>
+          <a:chExt cx="0" cy="0"/>
+        </a:xfrm>
+      </p:grpSpPr>
+      <p:sp>
+        <p:nvSpPr>
+          <p:cNvPr id="2" name="幻灯片图像占位符 1"/>
+          <p:cNvSpPr>
+            <a:spLocks noGrp="1" noRot="1" noChangeAspect="1"/>
+          </p:cNvSpPr>
+          <p:nvPr>
+            <p:ph type="sldImg"/>
+          </p:nvPr>
+        </p:nvSpPr>
+        <p:spPr/>
+      </p:sp>
+      <p:sp>
+        <p:nvSpPr>
+          <p:cNvPr id="3" name="备注占位符 2"/>
+          <p:cNvSpPr>
+            <a:spLocks noGrp="1"/>
+          </p:cNvSpPr>
+          <p:nvPr>
+            <p:ph type="body" idx="1"/>
+          </p:nvPr>
+        </p:nvSpPr>
+        <p:spPr/>
+        <p:txBody>
+          <a:bodyPr/>
+          <a:lstStyle/>
+          <a:p>
+            <a:r>
+              <a:rPr lang="en-US" altLang="zh-CN" err="1" smtClean="0"/>
+              <a:t>java,python,R,Scala</a:t>
+            </a:r>
+            <a:endParaRPr lang="en-US" altLang="zh-CN" smtClean="0"/>
+          </a:p>
+          <a:p>
+            <a:r>
+              <a:rPr lang="zh-CN" altLang="en-US" smtClean="0"/>
+              <a:t>在算法覆盖率方面</a:t>
+            </a:r>
+            <a:r>
+              <a:rPr lang="en-US" altLang="zh-CN" smtClean="0"/>
+              <a:t>Mahout</a:t>
+            </a:r>
+            <a:r>
+              <a:rPr lang="zh-CN" altLang="en-US" smtClean="0"/>
+              <a:t>和</a:t>
+            </a:r>
+            <a:r>
+              <a:rPr lang="en-US" altLang="zh-CN" err="1" smtClean="0"/>
+              <a:t>MLib</a:t>
+            </a:r>
+            <a:r>
+              <a:rPr lang="zh-CN" altLang="en-US" smtClean="0"/>
+              <a:t>是最面面俱到的大数据框架，都可以与</a:t>
+            </a:r>
+            <a:r>
+              <a:rPr lang="en-US" altLang="zh-CN" smtClean="0"/>
+              <a:t>Spark</a:t>
+            </a:r>
+            <a:r>
+              <a:rPr lang="zh-CN" altLang="en-US" smtClean="0"/>
+              <a:t>协同工作。</a:t>
+            </a:r>
+            <a:endParaRPr lang="zh-CN" altLang="en-US"/>
+          </a:p>
+        </p:txBody>
+      </p:sp>
+      <p:sp>
+        <p:nvSpPr>
+          <p:cNvPr id="4" name="灯片编号占位符 3"/>
+          <p:cNvSpPr>
+            <a:spLocks noGrp="1"/>
+          </p:cNvSpPr>
+          <p:nvPr>
+            <p:ph type="sldNum" sz="quarter" idx="10"/>
+          </p:nvPr>
+        </p:nvSpPr>
+        <p:spPr/>
+        <p:txBody>
+          <a:bodyPr/>
+          <a:lstStyle/>
+          <a:p>
+            <a:fld id="{8AE91372-3A34-4F60-BE47-6251FE45EAE7}" type="slidenum">
+              <a:rPr lang="zh-CN" altLang="en-US" smtClean="0"/>
+              <a:t>6</a:t>
+            </a:fld>
+            <a:endParaRPr lang="zh-CN" altLang="en-US"/>
+          </a:p>
+        </p:txBody>
+      </p:sp>
+    </p:spTree>
+    <p:extLst>
+      <p:ext uri="{BB962C8B-B14F-4D97-AF65-F5344CB8AC3E}">
+        <p14:creationId xmlns:p14="http://schemas.microsoft.com/office/powerpoint/2010/main" val="1179374381"/>
+      </p:ext>
+    </p:extLst>
+  </p:cSld>
+  <p:clrMapOvr>
+    <a:masterClrMapping/>
+  </p:clrMapOvr>
+</p:notes>
+</file>
+
+<file path=ppt/notesSlides/notesSlide7.xml><?xml version="1.0" encoding="utf-8"?>
+<p:notes xmlns:a="http://schemas.openxmlformats.org/drawingml/2006/main" xmlns:r="http://schemas.openxmlformats.org/officeDocument/2006/relationships" xmlns:p="http://schemas.openxmlformats.org/presentationml/2006/main">
+  <p:cSld>
+    <p:spTree>
+      <p:nvGrpSpPr>
+        <p:cNvPr id="1" name=""/>
+        <p:cNvGrpSpPr/>
+        <p:nvPr/>
+      </p:nvGrpSpPr>
+      <p:grpSpPr>
+        <a:xfrm>
+          <a:off x="0" y="0"/>
+          <a:ext cx="0" cy="0"/>
+          <a:chOff x="0" y="0"/>
+          <a:chExt cx="0" cy="0"/>
+        </a:xfrm>
+      </p:grpSpPr>
+      <p:sp>
+        <p:nvSpPr>
+          <p:cNvPr id="2" name="幻灯片图像占位符 1"/>
+          <p:cNvSpPr>
+            <a:spLocks noGrp="1" noRot="1" noChangeAspect="1"/>
+          </p:cNvSpPr>
+          <p:nvPr>
+            <p:ph type="sldImg"/>
+          </p:nvPr>
+        </p:nvSpPr>
+        <p:spPr/>
+      </p:sp>
+      <p:sp>
+        <p:nvSpPr>
+          <p:cNvPr id="3" name="备注占位符 2"/>
+          <p:cNvSpPr>
+            <a:spLocks noGrp="1"/>
+          </p:cNvSpPr>
+          <p:nvPr>
+            <p:ph type="body" idx="1"/>
+          </p:nvPr>
+        </p:nvSpPr>
+        <p:spPr/>
+        <p:txBody>
+          <a:bodyPr/>
+          <a:lstStyle/>
+          <a:p>
+            <a:endParaRPr lang="zh-CN" altLang="en-US"/>
+          </a:p>
+        </p:txBody>
+      </p:sp>
+      <p:sp>
+        <p:nvSpPr>
+          <p:cNvPr id="4" name="灯片编号占位符 3"/>
+          <p:cNvSpPr>
+            <a:spLocks noGrp="1"/>
+          </p:cNvSpPr>
+          <p:nvPr>
+            <p:ph type="sldNum" sz="quarter" idx="10"/>
+          </p:nvPr>
+        </p:nvSpPr>
+        <p:spPr/>
+        <p:txBody>
+          <a:bodyPr/>
+          <a:lstStyle/>
+          <a:p>
+            <a:fld id="{8AE91372-3A34-4F60-BE47-6251FE45EAE7}" type="slidenum">
+              <a:rPr lang="zh-CN" altLang="en-US" smtClean="0"/>
+              <a:t>7</a:t>
+            </a:fld>
+            <a:endParaRPr lang="zh-CN" altLang="en-US"/>
+          </a:p>
+        </p:txBody>
+      </p:sp>
+    </p:spTree>
+    <p:extLst>
+      <p:ext uri="{BB962C8B-B14F-4D97-AF65-F5344CB8AC3E}">
+        <p14:creationId xmlns:p14="http://schemas.microsoft.com/office/powerpoint/2010/main" val="1010361832"/>
+      </p:ext>
+    </p:extLst>
+  </p:cSld>
+  <p:clrMapOvr>
+    <a:masterClrMapping/>
+  </p:clrMapOvr>
+</p:notes>
+</file>
+
+<file path=ppt/notesSlides/notesSlide8.xml><?xml version="1.0" encoding="utf-8"?>
+<p:notes xmlns:a="http://schemas.openxmlformats.org/drawingml/2006/main" xmlns:r="http://schemas.openxmlformats.org/officeDocument/2006/relationships" xmlns:p="http://schemas.openxmlformats.org/presentationml/2006/main">
+  <p:cSld>
+    <p:spTree>
+      <p:nvGrpSpPr>
+        <p:cNvPr id="1" name=""/>
+        <p:cNvGrpSpPr/>
+        <p:nvPr/>
+      </p:nvGrpSpPr>
+      <p:grpSpPr>
+        <a:xfrm>
+          <a:off x="0" y="0"/>
+          <a:ext cx="0" cy="0"/>
+          <a:chOff x="0" y="0"/>
+          <a:chExt cx="0" cy="0"/>
+        </a:xfrm>
+      </p:grpSpPr>
+      <p:sp>
+        <p:nvSpPr>
+          <p:cNvPr id="2" name="幻灯片图像占位符 1"/>
+          <p:cNvSpPr>
+            <a:spLocks noGrp="1" noRot="1" noChangeAspect="1"/>
+          </p:cNvSpPr>
+          <p:nvPr>
+            <p:ph type="sldImg"/>
+          </p:nvPr>
+        </p:nvSpPr>
+        <p:spPr/>
+      </p:sp>
+      <p:sp>
+        <p:nvSpPr>
+          <p:cNvPr id="3" name="备注占位符 2"/>
+          <p:cNvSpPr>
+            <a:spLocks noGrp="1"/>
+          </p:cNvSpPr>
+          <p:nvPr>
+            <p:ph type="body" idx="1"/>
+          </p:nvPr>
+        </p:nvSpPr>
+        <p:spPr/>
+        <p:txBody>
+          <a:bodyPr/>
+          <a:lstStyle/>
+          <a:p>
+            <a:r>
+              <a:rPr lang="zh-CN" altLang="en-US" smtClean="0"/>
+              <a:t>对于一般的需求，</a:t>
+            </a:r>
+            <a:r>
+              <a:rPr lang="en-US" altLang="zh-CN" smtClean="0"/>
+              <a:t>MLib</a:t>
+            </a:r>
+            <a:r>
+              <a:rPr lang="zh-CN" altLang="en-US" smtClean="0"/>
+              <a:t>和</a:t>
+            </a:r>
+            <a:r>
+              <a:rPr lang="en-US" altLang="zh-CN" smtClean="0"/>
+              <a:t>H2O</a:t>
+            </a:r>
+            <a:r>
+              <a:rPr lang="zh-CN" altLang="en-US" smtClean="0"/>
+              <a:t>是非常好的选择，这两个框架的速度都很快，可扩展性（对不同大小的数据集的支持）都很好。</a:t>
+            </a:r>
+          </a:p>
+          <a:p>
+            <a:r>
+              <a:rPr lang="zh-CN" altLang="en-US" smtClean="0"/>
+              <a:t>这两个框架对算法的选择有相当大的不同。</a:t>
+            </a:r>
+          </a:p>
+          <a:p>
+            <a:r>
+              <a:rPr lang="en-US" altLang="zh-CN" smtClean="0"/>
+              <a:t>MLib</a:t>
+            </a:r>
+            <a:r>
+              <a:rPr lang="zh-CN" altLang="en-US" smtClean="0"/>
+              <a:t>在大部分机器学习领域提供了更好的选择，</a:t>
+            </a:r>
+            <a:r>
+              <a:rPr lang="en-US" altLang="zh-CN" smtClean="0"/>
+              <a:t>H2O</a:t>
+            </a:r>
+            <a:r>
+              <a:rPr lang="zh-CN" altLang="en-US" smtClean="0"/>
+              <a:t>则是唯一具有深度学习解决方案的工具。</a:t>
+            </a:r>
+          </a:p>
+          <a:p>
+            <a:r>
+              <a:rPr lang="zh-CN" altLang="en-US" smtClean="0"/>
+              <a:t>可用性：两者都提供了多种编程语言的</a:t>
+            </a:r>
+            <a:r>
+              <a:rPr lang="en-US" altLang="zh-CN" err="1" smtClean="0"/>
+              <a:t>api</a:t>
+            </a:r>
+            <a:r>
+              <a:rPr lang="zh-CN" altLang="en-US" smtClean="0"/>
+              <a:t>，但是</a:t>
+            </a:r>
+            <a:r>
+              <a:rPr lang="en-US" altLang="zh-CN" smtClean="0"/>
+              <a:t>H2O</a:t>
+            </a:r>
+            <a:r>
+              <a:rPr lang="zh-CN" altLang="en-US" smtClean="0"/>
+              <a:t>提供</a:t>
+            </a:r>
+            <a:r>
+              <a:rPr lang="zh-CN" altLang="en-US" smtClean="0"/>
+              <a:t>了</a:t>
+            </a:r>
+            <a:r>
+              <a:rPr lang="en-US" altLang="zh-CN" smtClean="0"/>
+              <a:t>GUI</a:t>
+            </a:r>
+            <a:r>
+              <a:rPr lang="zh-CN" altLang="en-US" smtClean="0"/>
+              <a:t>图形</a:t>
+            </a:r>
+            <a:r>
+              <a:rPr lang="zh-CN" altLang="en-US" smtClean="0"/>
+              <a:t>界面。</a:t>
+            </a:r>
+          </a:p>
+          <a:p>
+            <a:r>
+              <a:rPr lang="zh-CN" altLang="en-US" smtClean="0"/>
+              <a:t>	</a:t>
+            </a:r>
+          </a:p>
+          <a:p>
+            <a:r>
+              <a:rPr lang="en-US" altLang="zh-CN" smtClean="0"/>
+              <a:t>SAMOA</a:t>
+            </a:r>
+            <a:r>
+              <a:rPr lang="zh-CN" altLang="en-US" smtClean="0"/>
+              <a:t>和</a:t>
+            </a:r>
+            <a:r>
+              <a:rPr lang="en-US" altLang="zh-CN" smtClean="0"/>
+              <a:t>Mahout</a:t>
+            </a:r>
+            <a:r>
+              <a:rPr lang="zh-CN" altLang="en-US" smtClean="0"/>
+              <a:t>专注于提供平台给用户接入自己的学习算法。所以它们都没有提供必需的算法。</a:t>
+            </a:r>
+            <a:r>
+              <a:rPr lang="en-US" altLang="zh-CN" smtClean="0"/>
+              <a:t>SAMOA</a:t>
+            </a:r>
+            <a:r>
+              <a:rPr lang="zh-CN" altLang="en-US" smtClean="0"/>
+              <a:t>允许用户创建数据流算法，是唯一一个为真正的实时数据流设计的框架，使其成为最快和最具扩展性的选项</a:t>
+            </a:r>
+            <a:r>
+              <a:rPr lang="zh-CN" altLang="en-US" smtClean="0"/>
+              <a:t>。</a:t>
+            </a:r>
+            <a:endParaRPr lang="en-US" altLang="zh-CN" smtClean="0"/>
+          </a:p>
+          <a:p>
+            <a:endParaRPr lang="en-US" altLang="zh-CN" smtClean="0"/>
+          </a:p>
+          <a:p>
+            <a:r>
+              <a:rPr lang="en-US" altLang="zh-CN" sz="1200" b="0" i="0" kern="1200" smtClean="0">
+                <a:solidFill>
+                  <a:schemeClr val="tx1"/>
+                </a:solidFill>
+                <a:effectLst/>
+                <a:latin typeface="+mn-lt"/>
+                <a:ea typeface="+mn-ea"/>
+                <a:cs typeface="+mn-cs"/>
+              </a:rPr>
+              <a:t>Extensibility</a:t>
+            </a:r>
+            <a:r>
+              <a:rPr lang="zh-CN" altLang="en-US" sz="1200" b="0" i="0" kern="1200" smtClean="0">
+                <a:solidFill>
+                  <a:schemeClr val="tx1"/>
+                </a:solidFill>
+                <a:effectLst/>
+                <a:latin typeface="+mn-lt"/>
+                <a:ea typeface="+mn-ea"/>
+                <a:cs typeface="+mn-cs"/>
+              </a:rPr>
+              <a:t>：可升级性</a:t>
+            </a:r>
+            <a:endParaRPr lang="en-US" altLang="zh-CN" sz="1200" b="0" i="0" kern="1200" smtClean="0">
+              <a:solidFill>
+                <a:schemeClr val="tx1"/>
+              </a:solidFill>
+              <a:effectLst/>
+              <a:latin typeface="+mn-lt"/>
+              <a:ea typeface="+mn-ea"/>
+              <a:cs typeface="+mn-cs"/>
+            </a:endParaRPr>
+          </a:p>
+          <a:p>
+            <a:r>
+              <a:rPr lang="en-US" altLang="zh-CN" sz="1200" b="0" i="0" kern="1200" smtClean="0">
+                <a:solidFill>
+                  <a:schemeClr val="tx1"/>
+                </a:solidFill>
+                <a:effectLst/>
+                <a:latin typeface="+mn-lt"/>
+                <a:ea typeface="+mn-ea"/>
+                <a:cs typeface="+mn-cs"/>
+              </a:rPr>
+              <a:t>Scalability</a:t>
+            </a:r>
+            <a:r>
+              <a:rPr lang="zh-CN" altLang="en-US" sz="1200" b="0" i="0" kern="1200" smtClean="0">
+                <a:solidFill>
+                  <a:schemeClr val="tx1"/>
+                </a:solidFill>
+                <a:effectLst/>
+                <a:latin typeface="+mn-lt"/>
+                <a:ea typeface="+mn-ea"/>
+                <a:cs typeface="+mn-cs"/>
+              </a:rPr>
+              <a:t>：可扩容性，可伸缩性</a:t>
+            </a:r>
+            <a:endParaRPr lang="zh-CN" altLang="en-US"/>
+          </a:p>
+        </p:txBody>
+      </p:sp>
+      <p:sp>
+        <p:nvSpPr>
+          <p:cNvPr id="4" name="灯片编号占位符 3"/>
+          <p:cNvSpPr>
+            <a:spLocks noGrp="1"/>
+          </p:cNvSpPr>
+          <p:nvPr>
+            <p:ph type="sldNum" sz="quarter" idx="10"/>
+          </p:nvPr>
+        </p:nvSpPr>
+        <p:spPr/>
+        <p:txBody>
+          <a:bodyPr/>
+          <a:lstStyle/>
+          <a:p>
+            <a:fld id="{8AE91372-3A34-4F60-BE47-6251FE45EAE7}" type="slidenum">
+              <a:rPr lang="zh-CN" altLang="en-US" smtClean="0"/>
+              <a:t>8</a:t>
+            </a:fld>
+            <a:endParaRPr lang="zh-CN" altLang="en-US"/>
+          </a:p>
+        </p:txBody>
+      </p:sp>
+    </p:spTree>
+    <p:extLst>
+      <p:ext uri="{BB962C8B-B14F-4D97-AF65-F5344CB8AC3E}">
+        <p14:creationId xmlns:p14="http://schemas.microsoft.com/office/powerpoint/2010/main" val="1579436273"/>
+      </p:ext>
+    </p:extLst>
+  </p:cSld>
+  <p:clrMapOvr>
+    <a:masterClrMapping/>
+  </p:clrMapOvr>
+</p:notes>
+</file>
+
+<file path=ppt/notesSlides/notesSlide9.xml><?xml version="1.0" encoding="utf-8"?>
+<p:notes xmlns:a="http://schemas.openxmlformats.org/drawingml/2006/main" xmlns:r="http://schemas.openxmlformats.org/officeDocument/2006/relationships" xmlns:p="http://schemas.openxmlformats.org/presentationml/2006/main">
+  <p:cSld>
+    <p:spTree>
+      <p:nvGrpSpPr>
+        <p:cNvPr id="1" name=""/>
+        <p:cNvGrpSpPr/>
+        <p:nvPr/>
+      </p:nvGrpSpPr>
+      <p:grpSpPr>
+        <a:xfrm>
+          <a:off x="0" y="0"/>
+          <a:ext cx="0" cy="0"/>
+          <a:chOff x="0" y="0"/>
+          <a:chExt cx="0" cy="0"/>
+        </a:xfrm>
+      </p:grpSpPr>
+      <p:sp>
+        <p:nvSpPr>
+          <p:cNvPr id="2" name="幻灯片图像占位符 1"/>
+          <p:cNvSpPr>
+            <a:spLocks noGrp="1" noRot="1" noChangeAspect="1"/>
+          </p:cNvSpPr>
+          <p:nvPr>
+            <p:ph type="sldImg"/>
+          </p:nvPr>
+        </p:nvSpPr>
+        <p:spPr/>
+      </p:sp>
+      <p:sp>
+        <p:nvSpPr>
+          <p:cNvPr id="3" name="备注占位符 2"/>
+          <p:cNvSpPr>
+            <a:spLocks noGrp="1"/>
+          </p:cNvSpPr>
+          <p:nvPr>
+            <p:ph type="body" idx="1"/>
+          </p:nvPr>
+        </p:nvSpPr>
+        <p:spPr/>
+        <p:txBody>
+          <a:bodyPr/>
+          <a:lstStyle/>
+          <a:p>
+            <a:endParaRPr lang="zh-CN" altLang="en-US"/>
+          </a:p>
+        </p:txBody>
+      </p:sp>
+      <p:sp>
+        <p:nvSpPr>
+          <p:cNvPr id="4" name="灯片编号占位符 3"/>
+          <p:cNvSpPr>
+            <a:spLocks noGrp="1"/>
+          </p:cNvSpPr>
+          <p:nvPr>
+            <p:ph type="sldNum" sz="quarter" idx="10"/>
+          </p:nvPr>
+        </p:nvSpPr>
+        <p:spPr/>
+        <p:txBody>
+          <a:bodyPr/>
+          <a:lstStyle/>
+          <a:p>
+            <a:fld id="{8AE91372-3A34-4F60-BE47-6251FE45EAE7}" type="slidenum">
+              <a:rPr lang="zh-CN" altLang="en-US" smtClean="0"/>
+              <a:t>9</a:t>
             </a:fld>
             <a:endParaRPr lang="zh-CN" altLang="en-US"/>
           </a:p>
@@ -1068,7 +1564,7 @@
           <a:p>
             <a:fld id="{F6B75483-8A15-4DC1-83B9-BD1332A5715D}" type="datetimeFigureOut">
               <a:rPr lang="zh-CN" altLang="en-US" smtClean="0"/>
-              <a:t>2016/8/25</a:t>
+              <a:t>2016/8/26</a:t>
             </a:fld>
             <a:endParaRPr lang="zh-CN" altLang="en-US"/>
           </a:p>
@@ -1165,7 +1661,7 @@
           <a:lstStyle/>
           <a:p>
             <a:r>
-              <a:rPr lang="en-US" altLang="zh-CN" sz="1000" b="1" dirty="0" smtClean="0">
+              <a:rPr lang="en-US" altLang="zh-CN" sz="1000" b="1" smtClean="0">
                 <a:solidFill>
                   <a:schemeClr val="tx1">
                     <a:lumMod val="65000"/>
@@ -1176,7 +1672,7 @@
               </a:rPr>
               <a:t>WWW.MUCFC.COM</a:t>
             </a:r>
-            <a:endParaRPr lang="zh-CN" altLang="en-US" sz="1000" b="1" dirty="0">
+            <a:endParaRPr lang="zh-CN" altLang="en-US" sz="1000" b="1">
               <a:solidFill>
                 <a:schemeClr val="tx1">
                   <a:lumMod val="65000"/>
@@ -1305,7 +1801,7 @@
           <a:p>
             <a:fld id="{F6B75483-8A15-4DC1-83B9-BD1332A5715D}" type="datetimeFigureOut">
               <a:rPr lang="zh-CN" altLang="en-US" smtClean="0"/>
-              <a:t>2016/8/25</a:t>
+              <a:t>2016/8/26</a:t>
             </a:fld>
             <a:endParaRPr lang="zh-CN" altLang="en-US"/>
           </a:p>
@@ -1480,7 +1976,7 @@
           <a:p>
             <a:fld id="{F6B75483-8A15-4DC1-83B9-BD1332A5715D}" type="datetimeFigureOut">
               <a:rPr lang="zh-CN" altLang="en-US" smtClean="0"/>
-              <a:t>2016/8/25</a:t>
+              <a:t>2016/8/26</a:t>
             </a:fld>
             <a:endParaRPr lang="zh-CN" altLang="en-US"/>
           </a:p>
@@ -1570,7 +2066,7 @@
           <a:p>
             <a:fld id="{F6B75483-8A15-4DC1-83B9-BD1332A5715D}" type="datetimeFigureOut">
               <a:rPr lang="zh-CN" altLang="en-US" smtClean="0"/>
-              <a:t>2016/8/25</a:t>
+              <a:t>2016/8/26</a:t>
             </a:fld>
             <a:endParaRPr lang="zh-CN" altLang="en-US"/>
           </a:p>
@@ -1889,7 +2385,7 @@
           <a:p>
             <a:fld id="{F6B75483-8A15-4DC1-83B9-BD1332A5715D}" type="datetimeFigureOut">
               <a:rPr lang="zh-CN" altLang="en-US" smtClean="0"/>
-              <a:t>2016/8/25</a:t>
+              <a:t>2016/8/26</a:t>
             </a:fld>
             <a:endParaRPr lang="zh-CN" altLang="en-US"/>
           </a:p>
@@ -1986,7 +2482,7 @@
           <a:lstStyle/>
           <a:p>
             <a:r>
-              <a:rPr lang="en-US" altLang="zh-CN" sz="1200" b="1" dirty="0" smtClean="0">
+              <a:rPr lang="en-US" altLang="zh-CN" sz="1200" b="1" smtClean="0">
                 <a:solidFill>
                   <a:schemeClr val="bg1"/>
                 </a:solidFill>
@@ -1994,7 +2490,7 @@
               </a:rPr>
               <a:t>WWW.MUCFC.COM</a:t>
             </a:r>
-            <a:endParaRPr lang="zh-CN" altLang="en-US" sz="1200" b="1" dirty="0">
+            <a:endParaRPr lang="zh-CN" altLang="en-US" sz="1200" b="1">
               <a:solidFill>
                 <a:schemeClr val="bg1"/>
               </a:solidFill>
@@ -2045,7 +2541,7 @@
           <a:p>
             <a:fld id="{F6B75483-8A15-4DC1-83B9-BD1332A5715D}" type="datetimeFigureOut">
               <a:rPr lang="zh-CN" altLang="en-US" smtClean="0"/>
-              <a:t>2016/8/25</a:t>
+              <a:t>2016/8/26</a:t>
             </a:fld>
             <a:endParaRPr lang="zh-CN" altLang="en-US"/>
           </a:p>
@@ -2168,7 +2664,7 @@
           <a:lstStyle/>
           <a:p>
             <a:r>
-              <a:rPr lang="en-US" altLang="zh-CN" sz="1400" b="1" dirty="0" smtClean="0">
+              <a:rPr lang="en-US" altLang="zh-CN" sz="1400" b="1" smtClean="0">
                 <a:solidFill>
                   <a:srgbClr val="3389CA"/>
                 </a:solidFill>
@@ -2176,7 +2672,7 @@
               </a:rPr>
               <a:t>www.mucfc.com</a:t>
             </a:r>
-            <a:endParaRPr lang="zh-CN" altLang="en-US" sz="1400" b="1" dirty="0">
+            <a:endParaRPr lang="zh-CN" altLang="en-US" sz="1400" b="1">
               <a:solidFill>
                 <a:srgbClr val="3389CA"/>
               </a:solidFill>
@@ -2250,7 +2746,7 @@
           <a:lstStyle/>
           <a:p>
             <a:r>
-              <a:rPr lang="en-US" altLang="zh-CN" sz="2400" b="1" dirty="0" smtClean="0">
+              <a:rPr lang="en-US" altLang="zh-CN" sz="2400" b="1" smtClean="0">
                 <a:solidFill>
                   <a:srgbClr val="3389CA"/>
                 </a:solidFill>
@@ -2258,7 +2754,7 @@
               </a:rPr>
               <a:t>MUCFC.COM</a:t>
             </a:r>
-            <a:endParaRPr lang="zh-CN" altLang="en-US" sz="2400" b="1" dirty="0">
+            <a:endParaRPr lang="zh-CN" altLang="en-US" sz="2400" b="1">
               <a:solidFill>
                 <a:srgbClr val="3389CA"/>
               </a:solidFill>
@@ -2309,7 +2805,7 @@
           <a:p>
             <a:fld id="{F6B75483-8A15-4DC1-83B9-BD1332A5715D}" type="datetimeFigureOut">
               <a:rPr lang="zh-CN" altLang="en-US" smtClean="0"/>
-              <a:t>2016/8/25</a:t>
+              <a:t>2016/8/26</a:t>
             </a:fld>
             <a:endParaRPr lang="zh-CN" altLang="en-US"/>
           </a:p>
@@ -2492,7 +2988,7 @@
           <a:lstStyle/>
           <a:p>
             <a:r>
-              <a:rPr lang="en-US" altLang="zh-CN" sz="1000" b="0" dirty="0" smtClean="0">
+              <a:rPr lang="en-US" altLang="zh-CN" sz="1000" b="0" smtClean="0">
                 <a:solidFill>
                   <a:srgbClr val="3389CA"/>
                 </a:solidFill>
@@ -2500,7 +2996,7 @@
               </a:rPr>
               <a:t>www.mucfc.com</a:t>
             </a:r>
-            <a:endParaRPr lang="zh-CN" altLang="en-US" sz="1000" b="0" dirty="0">
+            <a:endParaRPr lang="zh-CN" altLang="en-US" sz="1000" b="0">
               <a:solidFill>
                 <a:srgbClr val="3389CA"/>
               </a:solidFill>
@@ -2603,7 +3099,7 @@
           <a:p>
             <a:fld id="{F6B75483-8A15-4DC1-83B9-BD1332A5715D}" type="datetimeFigureOut">
               <a:rPr lang="zh-CN" altLang="en-US" smtClean="0"/>
-              <a:t>2016/8/25</a:t>
+              <a:t>2016/8/26</a:t>
             </a:fld>
             <a:endParaRPr lang="zh-CN" altLang="en-US"/>
           </a:p>
@@ -2725,14 +3221,14 @@
           <a:lstStyle/>
           <a:p>
             <a:r>
-              <a:rPr lang="en-US" altLang="zh-CN" dirty="0" smtClean="0">
+              <a:rPr lang="en-US" altLang="zh-CN" smtClean="0">
                 <a:solidFill>
                   <a:schemeClr val="bg1"/>
                 </a:solidFill>
               </a:rPr>
               <a:t>www.mucfc.cn</a:t>
             </a:r>
-            <a:endParaRPr lang="zh-CN" altLang="en-US" dirty="0">
+            <a:endParaRPr lang="zh-CN" altLang="en-US">
               <a:solidFill>
                 <a:schemeClr val="bg1"/>
               </a:solidFill>
@@ -2782,7 +3278,7 @@
           <a:p>
             <a:fld id="{F6B75483-8A15-4DC1-83B9-BD1332A5715D}" type="datetimeFigureOut">
               <a:rPr lang="zh-CN" altLang="en-US" smtClean="0"/>
-              <a:t>2016/8/25</a:t>
+              <a:t>2016/8/26</a:t>
             </a:fld>
             <a:endParaRPr lang="zh-CN" altLang="en-US"/>
           </a:p>
@@ -3054,7 +3550,7 @@
           <a:p>
             <a:fld id="{F6B75483-8A15-4DC1-83B9-BD1332A5715D}" type="datetimeFigureOut">
               <a:rPr lang="zh-CN" altLang="en-US" smtClean="0"/>
-              <a:t>2016/8/25</a:t>
+              <a:t>2016/8/26</a:t>
             </a:fld>
             <a:endParaRPr lang="zh-CN" altLang="en-US"/>
           </a:p>
@@ -3302,7 +3798,7 @@
           <a:p>
             <a:fld id="{F6B75483-8A15-4DC1-83B9-BD1332A5715D}" type="datetimeFigureOut">
               <a:rPr lang="zh-CN" altLang="en-US" smtClean="0"/>
-              <a:t>2016/8/25</a:t>
+              <a:t>2016/8/26</a:t>
             </a:fld>
             <a:endParaRPr lang="zh-CN" altLang="en-US"/>
           </a:p>
@@ -3510,7 +4006,7 @@
           <a:p>
             <a:fld id="{F6B75483-8A15-4DC1-83B9-BD1332A5715D}" type="datetimeFigureOut">
               <a:rPr lang="zh-CN" altLang="en-US" smtClean="0"/>
-              <a:t>2016/8/25</a:t>
+              <a:t>2016/8/26</a:t>
             </a:fld>
             <a:endParaRPr lang="zh-CN" altLang="en-US"/>
           </a:p>
@@ -3903,7 +4399,7 @@
           <a:lstStyle/>
           <a:p>
             <a:r>
-              <a:rPr lang="zh-CN" altLang="en-US" sz="3600" dirty="0" smtClean="0">
+              <a:rPr lang="zh-CN" altLang="en-US" sz="3600" smtClean="0">
                 <a:solidFill>
                   <a:schemeClr val="bg1"/>
                 </a:solidFill>
@@ -3912,7 +4408,7 @@
               </a:rPr>
               <a:t>主流框架特性对比</a:t>
             </a:r>
-            <a:endParaRPr lang="zh-CN" altLang="en-US" sz="3600" dirty="0">
+            <a:endParaRPr lang="zh-CN" altLang="en-US" sz="3600">
               <a:solidFill>
                 <a:schemeClr val="bg1"/>
               </a:solidFill>
@@ -3945,7 +4441,7 @@
           <a:lstStyle/>
           <a:p>
             <a:r>
-              <a:rPr lang="zh-CN" altLang="en-US" sz="4800" b="1" dirty="0" smtClean="0">
+              <a:rPr lang="zh-CN" altLang="en-US" sz="4800" b="1" smtClean="0">
                 <a:solidFill>
                   <a:schemeClr val="bg1"/>
                 </a:solidFill>
@@ -3954,7 +4450,7 @@
               </a:rPr>
               <a:t>机器学习</a:t>
             </a:r>
-            <a:endParaRPr lang="zh-CN" altLang="en-US" sz="4800" b="1" dirty="0">
+            <a:endParaRPr lang="zh-CN" altLang="en-US" sz="4800" b="1">
               <a:solidFill>
                 <a:schemeClr val="bg1"/>
               </a:solidFill>
@@ -3964,6 +4460,114 @@
           </a:p>
         </p:txBody>
       </p:sp>
+    </p:spTree>
+  </p:cSld>
+  <p:clrMapOvr>
+    <a:masterClrMapping/>
+  </p:clrMapOvr>
+  <p:timing>
+    <p:tnLst>
+      <p:par>
+        <p:cTn id="1" dur="indefinite" restart="never" nodeType="tmRoot"/>
+      </p:par>
+    </p:tnLst>
+  </p:timing>
+</p:sld>
+</file>
+
+<file path=ppt/slides/slide10.xml><?xml version="1.0" encoding="utf-8"?>
+<p:sld xmlns:a="http://schemas.openxmlformats.org/drawingml/2006/main" xmlns:r="http://schemas.openxmlformats.org/officeDocument/2006/relationships" xmlns:p="http://schemas.openxmlformats.org/presentationml/2006/main">
+  <p:cSld>
+    <p:spTree>
+      <p:nvGrpSpPr>
+        <p:cNvPr id="1" name=""/>
+        <p:cNvGrpSpPr/>
+        <p:nvPr/>
+      </p:nvGrpSpPr>
+      <p:grpSpPr>
+        <a:xfrm>
+          <a:off x="0" y="0"/>
+          <a:ext cx="0" cy="0"/>
+          <a:chOff x="0" y="0"/>
+          <a:chExt cx="0" cy="0"/>
+        </a:xfrm>
+      </p:grpSpPr>
+      <p:sp>
+        <p:nvSpPr>
+          <p:cNvPr id="11" name="矩形 10"/>
+          <p:cNvSpPr/>
+          <p:nvPr/>
+        </p:nvSpPr>
+        <p:spPr>
+          <a:xfrm>
+            <a:off x="2627784" y="1943943"/>
+            <a:ext cx="3456384" cy="1862048"/>
+          </a:xfrm>
+          <a:prstGeom prst="rect">
+            <a:avLst/>
+          </a:prstGeom>
+        </p:spPr>
+        <p:txBody>
+          <a:bodyPr wrap="square">
+            <a:spAutoFit/>
+          </a:bodyPr>
+          <a:lstStyle/>
+          <a:p>
+            <a:r>
+              <a:rPr lang="en-US" altLang="zh-CN" sz="11500" b="1" smtClean="0">
+                <a:solidFill>
+                  <a:srgbClr val="3389CA"/>
+                </a:solidFill>
+                <a:latin typeface="Helvetica" pitchFamily="34" charset="0"/>
+              </a:rPr>
+              <a:t>Q&amp;A</a:t>
+            </a:r>
+            <a:endParaRPr lang="zh-CN" altLang="en-US" sz="11500" b="1">
+              <a:solidFill>
+                <a:srgbClr val="3389CA"/>
+              </a:solidFill>
+              <a:latin typeface="Helvetica" pitchFamily="34" charset="0"/>
+            </a:endParaRPr>
+          </a:p>
+        </p:txBody>
+      </p:sp>
+    </p:spTree>
+    <p:extLst>
+      <p:ext uri="{BB962C8B-B14F-4D97-AF65-F5344CB8AC3E}">
+        <p14:creationId xmlns:p14="http://schemas.microsoft.com/office/powerpoint/2010/main" val="1549043004"/>
+      </p:ext>
+    </p:extLst>
+  </p:cSld>
+  <p:clrMapOvr>
+    <a:masterClrMapping/>
+  </p:clrMapOvr>
+  <p:timing>
+    <p:tnLst>
+      <p:par>
+        <p:cTn id="1" dur="indefinite" restart="never" nodeType="tmRoot"/>
+      </p:par>
+    </p:tnLst>
+  </p:timing>
+</p:sld>
+</file>
+
+<file path=ppt/slides/slide11.xml><?xml version="1.0" encoding="utf-8"?>
+<p:sld xmlns:a="http://schemas.openxmlformats.org/drawingml/2006/main" xmlns:r="http://schemas.openxmlformats.org/officeDocument/2006/relationships" xmlns:p="http://schemas.openxmlformats.org/presentationml/2006/main">
+  <p:cSld>
+    <p:spTree>
+      <p:nvGrpSpPr>
+        <p:cNvPr id="1" name=""/>
+        <p:cNvGrpSpPr/>
+        <p:nvPr/>
+      </p:nvGrpSpPr>
+      <p:grpSpPr>
+        <a:xfrm>
+          <a:off x="0" y="0"/>
+          <a:ext cx="0" cy="0"/>
+          <a:chOff x="0" y="0"/>
+          <a:chExt cx="0" cy="0"/>
+        </a:xfrm>
+      </p:grpSpPr>
     </p:spTree>
   </p:cSld>
   <p:clrMapOvr>
@@ -3996,390 +4600,6 @@
           <a:chExt cx="0" cy="0"/>
         </a:xfrm>
       </p:grpSpPr>
-      <p:graphicFrame>
-        <p:nvGraphicFramePr>
-          <p:cNvPr id="2" name="表格 1"/>
-          <p:cNvGraphicFramePr>
-            <a:graphicFrameLocks noGrp="1"/>
-          </p:cNvGraphicFramePr>
-          <p:nvPr>
-            <p:extLst>
-              <p:ext uri="{D42A27DB-BD31-4B8C-83A1-F6EECF244321}">
-                <p14:modId xmlns:p14="http://schemas.microsoft.com/office/powerpoint/2010/main" val="1770960666"/>
-              </p:ext>
-            </p:extLst>
-          </p:nvPr>
-        </p:nvGraphicFramePr>
-        <p:xfrm>
-          <a:off x="1115616" y="1727919"/>
-          <a:ext cx="6960096" cy="3962400"/>
-        </p:xfrm>
-        <a:graphic>
-          <a:graphicData uri="http://schemas.openxmlformats.org/drawingml/2006/table">
-            <a:tbl>
-              <a:tblPr firstRow="1" bandRow="1">
-                <a:tableStyleId>{5C22544A-7EE6-4342-B048-85BDC9FD1C3A}</a:tableStyleId>
-              </a:tblPr>
-              <a:tblGrid>
-                <a:gridCol w="1890945"/>
-                <a:gridCol w="1589103"/>
-                <a:gridCol w="1740024"/>
-                <a:gridCol w="1740024"/>
-              </a:tblGrid>
-              <a:tr h="370840">
-                <a:tc>
-                  <a:txBody>
-                    <a:bodyPr/>
-                    <a:lstStyle/>
-                    <a:p>
-                      <a:endParaRPr lang="zh-CN" altLang="en-US" dirty="0"/>
-                    </a:p>
-                  </a:txBody>
-                  <a:tcPr/>
-                </a:tc>
-                <a:tc>
-                  <a:txBody>
-                    <a:bodyPr/>
-                    <a:lstStyle/>
-                    <a:p>
-                      <a:r>
-                        <a:rPr lang="en-US" altLang="zh-CN" dirty="0" smtClean="0"/>
-                        <a:t>MLib</a:t>
-                      </a:r>
-                      <a:endParaRPr lang="zh-CN" altLang="en-US" dirty="0"/>
-                    </a:p>
-                  </a:txBody>
-                  <a:tcPr/>
-                </a:tc>
-                <a:tc>
-                  <a:txBody>
-                    <a:bodyPr/>
-                    <a:lstStyle/>
-                    <a:p>
-                      <a:r>
-                        <a:rPr lang="en-US" altLang="zh-CN" dirty="0" smtClean="0"/>
-                        <a:t>System ML</a:t>
-                      </a:r>
-                      <a:endParaRPr lang="zh-CN" altLang="en-US" dirty="0"/>
-                    </a:p>
-                  </a:txBody>
-                  <a:tcPr/>
-                </a:tc>
-                <a:tc>
-                  <a:txBody>
-                    <a:bodyPr/>
-                    <a:lstStyle/>
-                    <a:p>
-                      <a:r>
-                        <a:rPr lang="en-US" altLang="zh-CN" dirty="0" smtClean="0"/>
-                        <a:t>Weka</a:t>
-                      </a:r>
-                      <a:endParaRPr lang="zh-CN" altLang="en-US" dirty="0"/>
-                    </a:p>
-                  </a:txBody>
-                  <a:tcPr/>
-                </a:tc>
-              </a:tr>
-              <a:tr h="370840">
-                <a:tc>
-                  <a:txBody>
-                    <a:bodyPr/>
-                    <a:lstStyle/>
-                    <a:p>
-                      <a:r>
-                        <a:rPr lang="zh-CN" altLang="en-US" dirty="0" smtClean="0"/>
-                        <a:t>速度</a:t>
-                      </a:r>
-                      <a:endParaRPr lang="zh-CN" altLang="en-US" dirty="0"/>
-                    </a:p>
-                  </a:txBody>
-                  <a:tcPr/>
-                </a:tc>
-                <a:tc>
-                  <a:txBody>
-                    <a:bodyPr/>
-                    <a:lstStyle/>
-                    <a:p>
-                      <a:endParaRPr lang="zh-CN" altLang="en-US"/>
-                    </a:p>
-                  </a:txBody>
-                  <a:tcPr/>
-                </a:tc>
-                <a:tc>
-                  <a:txBody>
-                    <a:bodyPr/>
-                    <a:lstStyle/>
-                    <a:p>
-                      <a:endParaRPr lang="zh-CN" altLang="en-US" dirty="0"/>
-                    </a:p>
-                  </a:txBody>
-                  <a:tcPr/>
-                </a:tc>
-                <a:tc>
-                  <a:txBody>
-                    <a:bodyPr/>
-                    <a:lstStyle/>
-                    <a:p>
-                      <a:endParaRPr lang="zh-CN" altLang="en-US"/>
-                    </a:p>
-                  </a:txBody>
-                  <a:tcPr/>
-                </a:tc>
-              </a:tr>
-              <a:tr h="370840">
-                <a:tc>
-                  <a:txBody>
-                    <a:bodyPr/>
-                    <a:lstStyle/>
-                    <a:p>
-                      <a:r>
-                        <a:rPr lang="zh-CN" altLang="en-US" dirty="0" smtClean="0"/>
-                        <a:t>支持度</a:t>
-                      </a:r>
-                      <a:endParaRPr lang="zh-CN" altLang="en-US" dirty="0"/>
-                    </a:p>
-                  </a:txBody>
-                  <a:tcPr/>
-                </a:tc>
-                <a:tc>
-                  <a:txBody>
-                    <a:bodyPr/>
-                    <a:lstStyle/>
-                    <a:p>
-                      <a:endParaRPr lang="zh-CN" altLang="en-US"/>
-                    </a:p>
-                  </a:txBody>
-                  <a:tcPr/>
-                </a:tc>
-                <a:tc>
-                  <a:txBody>
-                    <a:bodyPr/>
-                    <a:lstStyle/>
-                    <a:p>
-                      <a:endParaRPr lang="zh-CN" altLang="en-US"/>
-                    </a:p>
-                  </a:txBody>
-                  <a:tcPr/>
-                </a:tc>
-                <a:tc>
-                  <a:txBody>
-                    <a:bodyPr/>
-                    <a:lstStyle/>
-                    <a:p>
-                      <a:endParaRPr lang="zh-CN" altLang="en-US"/>
-                    </a:p>
-                  </a:txBody>
-                  <a:tcPr/>
-                </a:tc>
-              </a:tr>
-              <a:tr h="370840">
-                <a:tc>
-                  <a:txBody>
-                    <a:bodyPr/>
-                    <a:lstStyle/>
-                    <a:p>
-                      <a:r>
-                        <a:rPr lang="zh-CN" altLang="en-US" dirty="0" smtClean="0"/>
-                        <a:t>可拓展性</a:t>
-                      </a:r>
-                      <a:endParaRPr lang="zh-CN" altLang="en-US" dirty="0"/>
-                    </a:p>
-                  </a:txBody>
-                  <a:tcPr/>
-                </a:tc>
-                <a:tc>
-                  <a:txBody>
-                    <a:bodyPr/>
-                    <a:lstStyle/>
-                    <a:p>
-                      <a:endParaRPr lang="zh-CN" altLang="en-US" dirty="0"/>
-                    </a:p>
-                  </a:txBody>
-                  <a:tcPr/>
-                </a:tc>
-                <a:tc>
-                  <a:txBody>
-                    <a:bodyPr/>
-                    <a:lstStyle/>
-                    <a:p>
-                      <a:endParaRPr lang="zh-CN" altLang="en-US"/>
-                    </a:p>
-                  </a:txBody>
-                  <a:tcPr/>
-                </a:tc>
-                <a:tc>
-                  <a:txBody>
-                    <a:bodyPr/>
-                    <a:lstStyle/>
-                    <a:p>
-                      <a:endParaRPr lang="zh-CN" altLang="en-US"/>
-                    </a:p>
-                  </a:txBody>
-                  <a:tcPr/>
-                </a:tc>
-              </a:tr>
-              <a:tr h="370840">
-                <a:tc>
-                  <a:txBody>
-                    <a:bodyPr/>
-                    <a:lstStyle/>
-                    <a:p>
-                      <a:r>
-                        <a:rPr lang="zh-CN" altLang="en-US" dirty="0" smtClean="0"/>
-                        <a:t>对数据库的支持</a:t>
-                      </a:r>
-                      <a:endParaRPr lang="zh-CN" altLang="en-US" dirty="0"/>
-                    </a:p>
-                  </a:txBody>
-                  <a:tcPr/>
-                </a:tc>
-                <a:tc>
-                  <a:txBody>
-                    <a:bodyPr/>
-                    <a:lstStyle/>
-                    <a:p>
-                      <a:endParaRPr lang="zh-CN" altLang="en-US"/>
-                    </a:p>
-                  </a:txBody>
-                  <a:tcPr/>
-                </a:tc>
-                <a:tc>
-                  <a:txBody>
-                    <a:bodyPr/>
-                    <a:lstStyle/>
-                    <a:p>
-                      <a:endParaRPr lang="zh-CN" altLang="en-US"/>
-                    </a:p>
-                  </a:txBody>
-                  <a:tcPr/>
-                </a:tc>
-                <a:tc>
-                  <a:txBody>
-                    <a:bodyPr/>
-                    <a:lstStyle/>
-                    <a:p>
-                      <a:endParaRPr lang="zh-CN" altLang="en-US"/>
-                    </a:p>
-                  </a:txBody>
-                  <a:tcPr/>
-                </a:tc>
-              </a:tr>
-              <a:tr h="370840">
-                <a:tc>
-                  <a:txBody>
-                    <a:bodyPr/>
-                    <a:lstStyle/>
-                    <a:p>
-                      <a:r>
-                        <a:rPr lang="zh-CN" altLang="en-US" dirty="0" smtClean="0"/>
-                        <a:t>支持分布式</a:t>
-                      </a:r>
-                      <a:endParaRPr lang="zh-CN" altLang="en-US" dirty="0"/>
-                    </a:p>
-                  </a:txBody>
-                  <a:tcPr/>
-                </a:tc>
-                <a:tc>
-                  <a:txBody>
-                    <a:bodyPr/>
-                    <a:lstStyle/>
-                    <a:p>
-                      <a:endParaRPr lang="zh-CN" altLang="en-US" dirty="0"/>
-                    </a:p>
-                  </a:txBody>
-                  <a:tcPr/>
-                </a:tc>
-                <a:tc>
-                  <a:txBody>
-                    <a:bodyPr/>
-                    <a:lstStyle/>
-                    <a:p>
-                      <a:endParaRPr lang="zh-CN" altLang="en-US" dirty="0"/>
-                    </a:p>
-                  </a:txBody>
-                  <a:tcPr/>
-                </a:tc>
-                <a:tc>
-                  <a:txBody>
-                    <a:bodyPr/>
-                    <a:lstStyle/>
-                    <a:p>
-                      <a:endParaRPr lang="zh-CN" altLang="en-US" dirty="0"/>
-                    </a:p>
-                  </a:txBody>
-                  <a:tcPr/>
-                </a:tc>
-              </a:tr>
-              <a:tr h="370840">
-                <a:tc>
-                  <a:txBody>
-                    <a:bodyPr/>
-                    <a:lstStyle/>
-                    <a:p>
-                      <a:r>
-                        <a:rPr lang="zh-CN" altLang="en-US" dirty="0" smtClean="0"/>
-                        <a:t>文档</a:t>
-                      </a:r>
-                      <a:endParaRPr lang="zh-CN" altLang="en-US" dirty="0"/>
-                    </a:p>
-                  </a:txBody>
-                  <a:tcPr/>
-                </a:tc>
-                <a:tc>
-                  <a:txBody>
-                    <a:bodyPr/>
-                    <a:lstStyle/>
-                    <a:p>
-                      <a:endParaRPr lang="zh-CN" altLang="en-US" dirty="0"/>
-                    </a:p>
-                  </a:txBody>
-                  <a:tcPr/>
-                </a:tc>
-                <a:tc>
-                  <a:txBody>
-                    <a:bodyPr/>
-                    <a:lstStyle/>
-                    <a:p>
-                      <a:r>
-                        <a:rPr lang="zh-CN" altLang="en-US" dirty="0" smtClean="0"/>
-                        <a:t>集中于</a:t>
-                      </a:r>
-                      <a:r>
-                        <a:rPr lang="en-US" altLang="zh-CN" dirty="0" smtClean="0"/>
-                        <a:t>GitHub</a:t>
-                      </a:r>
-                      <a:r>
-                        <a:rPr lang="zh-CN" altLang="en-US" dirty="0" smtClean="0"/>
-                        <a:t>上，包括构建、测试、独立模式运行命令以及一个线性回归</a:t>
-                      </a:r>
-                      <a:r>
-                        <a:rPr lang="en-US" altLang="zh-CN" dirty="0" smtClean="0"/>
-                        <a:t>demo</a:t>
-                      </a:r>
-                      <a:r>
-                        <a:rPr lang="zh-CN" altLang="en-US" dirty="0" smtClean="0"/>
-                        <a:t>。</a:t>
-                      </a:r>
-                      <a:endParaRPr lang="zh-CN" altLang="en-US" dirty="0"/>
-                    </a:p>
-                  </a:txBody>
-                  <a:tcPr/>
-                </a:tc>
-                <a:tc>
-                  <a:txBody>
-                    <a:bodyPr/>
-                    <a:lstStyle/>
-                    <a:p>
-                      <a:endParaRPr lang="zh-CN" altLang="en-US" dirty="0"/>
-                    </a:p>
-                  </a:txBody>
-                  <a:tcPr/>
-                </a:tc>
-              </a:tr>
-            </a:tbl>
-          </a:graphicData>
-        </a:graphic>
-      </p:graphicFrame>
       <p:sp>
         <p:nvSpPr>
           <p:cNvPr id="3" name="文本框 2"/>
@@ -4389,7 +4609,7 @@
         <p:spPr>
           <a:xfrm>
             <a:off x="1115616" y="1141901"/>
-            <a:ext cx="3179845" cy="461665"/>
+            <a:ext cx="2659702" cy="461665"/>
           </a:xfrm>
           <a:prstGeom prst="rect">
             <a:avLst/>
@@ -4403,25 +4623,106 @@
           <a:lstStyle/>
           <a:p>
             <a:r>
-              <a:rPr lang="zh-CN" altLang="en-US" sz="2400" b="1" dirty="0" smtClean="0"/>
-              <a:t>基于</a:t>
-            </a:r>
-            <a:r>
-              <a:rPr lang="en-US" altLang="zh-CN" sz="2400" b="1" dirty="0" smtClean="0"/>
-              <a:t>java</a:t>
-            </a:r>
-            <a:r>
-              <a:rPr lang="zh-CN" altLang="en-US" sz="2400" b="1" dirty="0" smtClean="0"/>
-              <a:t>框架性能对比</a:t>
-            </a:r>
-            <a:endParaRPr lang="zh-CN" altLang="en-US" sz="2400" b="1" dirty="0"/>
+              <a:rPr lang="zh-CN" altLang="en-US" sz="2400" b="1" smtClean="0"/>
+              <a:t>主流框架</a:t>
+            </a:r>
+            <a:r>
+              <a:rPr lang="zh-CN" altLang="en-US" sz="2400" b="1" smtClean="0"/>
+              <a:t>性能对比</a:t>
+            </a:r>
+            <a:endParaRPr lang="zh-CN" altLang="en-US" sz="2400" b="1"/>
+          </a:p>
+        </p:txBody>
+      </p:sp>
+      <p:sp>
+        <p:nvSpPr>
+          <p:cNvPr id="4" name="文本框 3"/>
+          <p:cNvSpPr txBox="1"/>
+          <p:nvPr/>
+        </p:nvSpPr>
+        <p:spPr>
+          <a:xfrm>
+            <a:off x="1115616" y="1799927"/>
+            <a:ext cx="1487523" cy="2031325"/>
+          </a:xfrm>
+          <a:prstGeom prst="rect">
+            <a:avLst/>
+          </a:prstGeom>
+          <a:noFill/>
+        </p:spPr>
+        <p:txBody>
+          <a:bodyPr wrap="none" rtlCol="0">
+            <a:spAutoFit/>
+          </a:bodyPr>
+          <a:lstStyle/>
+          <a:p>
+            <a:pPr marL="285750" indent="-285750">
+              <a:buFont typeface="Wingdings" panose="05000000000000000000" pitchFamily="2" charset="2"/>
+              <a:buChar char="u"/>
+            </a:pPr>
+            <a:r>
+              <a:rPr lang="en-US" altLang="zh-CN" smtClean="0"/>
+              <a:t>Weka</a:t>
+            </a:r>
+          </a:p>
+          <a:p>
+            <a:pPr marL="285750" indent="-285750">
+              <a:buFont typeface="Wingdings" panose="05000000000000000000" pitchFamily="2" charset="2"/>
+              <a:buChar char="u"/>
+            </a:pPr>
+            <a:r>
+              <a:rPr lang="en-US" altLang="zh-CN" smtClean="0"/>
+              <a:t>System ML</a:t>
+            </a:r>
+          </a:p>
+          <a:p>
+            <a:pPr marL="285750" indent="-285750">
+              <a:buFont typeface="Wingdings" panose="05000000000000000000" pitchFamily="2" charset="2"/>
+              <a:buChar char="u"/>
+            </a:pPr>
+            <a:r>
+              <a:rPr lang="en-US" altLang="zh-CN" smtClean="0"/>
+              <a:t>Spark </a:t>
+            </a:r>
+            <a:r>
+              <a:rPr lang="en-US" altLang="zh-CN" err="1" smtClean="0"/>
+              <a:t>Mlib</a:t>
+            </a:r>
+            <a:endParaRPr lang="en-US" altLang="zh-CN" smtClean="0"/>
+          </a:p>
+          <a:p>
+            <a:pPr marL="285750" indent="-285750">
+              <a:buFont typeface="Wingdings" panose="05000000000000000000" pitchFamily="2" charset="2"/>
+              <a:buChar char="u"/>
+            </a:pPr>
+            <a:r>
+              <a:rPr lang="en-US" altLang="zh-CN" smtClean="0"/>
+              <a:t>H2O</a:t>
+            </a:r>
+          </a:p>
+          <a:p>
+            <a:endParaRPr lang="en-US" altLang="zh-CN" smtClean="0"/>
+          </a:p>
+          <a:p>
+            <a:pPr marL="285750" indent="-285750">
+              <a:buFont typeface="Wingdings" panose="05000000000000000000" pitchFamily="2" charset="2"/>
+              <a:buChar char="u"/>
+            </a:pPr>
+            <a:endParaRPr lang="zh-CN" altLang="en-US"/>
+          </a:p>
+          <a:p>
+            <a:pPr marL="285750" indent="-285750">
+              <a:buFont typeface="Wingdings" panose="05000000000000000000" pitchFamily="2" charset="2"/>
+              <a:buChar char="u"/>
+            </a:pPr>
+            <a:endParaRPr lang="zh-CN" altLang="en-US"/>
           </a:p>
         </p:txBody>
       </p:sp>
     </p:spTree>
     <p:extLst>
       <p:ext uri="{BB962C8B-B14F-4D97-AF65-F5344CB8AC3E}">
-        <p14:creationId xmlns:p14="http://schemas.microsoft.com/office/powerpoint/2010/main" val="2050930080"/>
+        <p14:creationId xmlns:p14="http://schemas.microsoft.com/office/powerpoint/2010/main" val="183810944"/>
       </p:ext>
     </p:extLst>
   </p:cSld>
@@ -4455,6 +4756,973 @@
           <a:chExt cx="0" cy="0"/>
         </a:xfrm>
       </p:grpSpPr>
+      <p:sp>
+        <p:nvSpPr>
+          <p:cNvPr id="3" name="文本框 2"/>
+          <p:cNvSpPr txBox="1"/>
+          <p:nvPr/>
+        </p:nvSpPr>
+        <p:spPr>
+          <a:xfrm>
+            <a:off x="1115616" y="1141901"/>
+            <a:ext cx="904094" cy="461665"/>
+          </a:xfrm>
+          <a:prstGeom prst="rect">
+            <a:avLst/>
+          </a:prstGeom>
+          <a:noFill/>
+        </p:spPr>
+        <p:txBody>
+          <a:bodyPr wrap="none" rtlCol="0">
+            <a:spAutoFit/>
+          </a:bodyPr>
+          <a:lstStyle/>
+          <a:p>
+            <a:r>
+              <a:rPr lang="en-US" altLang="zh-CN" sz="2400" b="1" smtClean="0"/>
+              <a:t>Weka</a:t>
+            </a:r>
+            <a:endParaRPr lang="zh-CN" altLang="en-US" sz="2400" b="1"/>
+          </a:p>
+        </p:txBody>
+      </p:sp>
+      <p:sp>
+        <p:nvSpPr>
+          <p:cNvPr id="13" name="文本框 12"/>
+          <p:cNvSpPr txBox="1"/>
+          <p:nvPr/>
+        </p:nvSpPr>
+        <p:spPr>
+          <a:xfrm>
+            <a:off x="1116705" y="1603566"/>
+            <a:ext cx="6912767" cy="3416320"/>
+          </a:xfrm>
+          <a:prstGeom prst="rect">
+            <a:avLst/>
+          </a:prstGeom>
+          <a:noFill/>
+        </p:spPr>
+        <p:txBody>
+          <a:bodyPr wrap="square" rtlCol="0">
+            <a:spAutoFit/>
+          </a:bodyPr>
+          <a:lstStyle/>
+          <a:p>
+            <a:pPr marL="285750" indent="-285750">
+              <a:buFont typeface="Wingdings" panose="05000000000000000000" pitchFamily="2" charset="2"/>
+              <a:buChar char="Ø"/>
+            </a:pPr>
+            <a:r>
+              <a:rPr lang="en-US" altLang="zh-CN"/>
+              <a:t>Weka</a:t>
+            </a:r>
+            <a:r>
+              <a:rPr lang="zh-CN" altLang="en-US"/>
+              <a:t>在</a:t>
+            </a:r>
+            <a:r>
+              <a:rPr lang="en-US" altLang="zh-CN" err="1"/>
+              <a:t>Hadoop3.7</a:t>
+            </a:r>
+            <a:r>
+              <a:rPr lang="zh-CN" altLang="en-US"/>
+              <a:t>中开始包含分布式处理的封装器。</a:t>
+            </a:r>
+            <a:r>
+              <a:rPr lang="en-US" altLang="zh-CN" err="1"/>
+              <a:t>weka</a:t>
+            </a:r>
+            <a:r>
+              <a:rPr lang="zh-CN" altLang="en-US"/>
+              <a:t>具有大量的工具，虽然其分类器和回归器可以用在</a:t>
+            </a:r>
+            <a:r>
+              <a:rPr lang="en-US" altLang="zh-CN"/>
+              <a:t>Hadoop</a:t>
+            </a:r>
+            <a:r>
+              <a:rPr lang="zh-CN" altLang="en-US"/>
+              <a:t>平台上，但是大多数不能进行并行化。这些算法本来是作为集合进行训练的，对小数据子集进行分别训练，然后使用投票技术进行结合，而不是在</a:t>
+            </a:r>
+            <a:r>
+              <a:rPr lang="en-US" altLang="zh-CN"/>
+              <a:t>reduce</a:t>
+            </a:r>
+            <a:r>
+              <a:rPr lang="zh-CN" altLang="en-US"/>
+              <a:t>阶段结合到最终模型中。这样做也许是由于缺乏并行算法。</a:t>
+            </a:r>
+          </a:p>
+          <a:p>
+            <a:pPr marL="285750" indent="-285750">
+              <a:buFont typeface="Wingdings" panose="05000000000000000000" pitchFamily="2" charset="2"/>
+              <a:buChar char="Ø"/>
+            </a:pPr>
+            <a:r>
+              <a:rPr lang="en-US" altLang="zh-CN" smtClean="0"/>
+              <a:t>Weka</a:t>
+            </a:r>
+            <a:r>
+              <a:rPr lang="zh-CN" altLang="en-US"/>
+              <a:t>是使用</a:t>
+            </a:r>
+            <a:r>
+              <a:rPr lang="en-US" altLang="zh-CN"/>
+              <a:t>Java</a:t>
+            </a:r>
+            <a:r>
+              <a:rPr lang="zh-CN" altLang="en-US"/>
+              <a:t>开发的用户数据挖掘的开源项目。</a:t>
+            </a:r>
+            <a:r>
+              <a:rPr lang="en-US" altLang="zh-CN"/>
+              <a:t>Weka</a:t>
+            </a:r>
+            <a:r>
+              <a:rPr lang="zh-CN" altLang="en-US"/>
+              <a:t>作为一个公开的数据挖掘工作平台，集合了大量能够承担数据挖掘人物的机器学习算法，包括了对数据进行预处理、分类、回归、聚类等等。同时，</a:t>
+            </a:r>
+            <a:r>
+              <a:rPr lang="en-US" altLang="zh-CN"/>
+              <a:t>Weka</a:t>
+            </a:r>
+            <a:r>
+              <a:rPr lang="zh-CN" altLang="en-US"/>
+              <a:t>实现了对大数据的可视化，通过</a:t>
+            </a:r>
+            <a:r>
+              <a:rPr lang="en-US" altLang="zh-CN"/>
+              <a:t>Java</a:t>
+            </a:r>
+            <a:r>
+              <a:rPr lang="zh-CN" altLang="en-US"/>
+              <a:t>设计的新式交互界面上，实现人与程序的交互</a:t>
+            </a:r>
+            <a:endParaRPr lang="en-US" altLang="zh-CN" smtClean="0"/>
+          </a:p>
+          <a:p>
+            <a:pPr marL="285750" indent="-285750">
+              <a:buFont typeface="Wingdings" panose="05000000000000000000" pitchFamily="2" charset="2"/>
+              <a:buChar char="Ø"/>
+            </a:pPr>
+            <a:endParaRPr lang="zh-CN" altLang="en-US"/>
+          </a:p>
+        </p:txBody>
+      </p:sp>
+    </p:spTree>
+    <p:extLst>
+      <p:ext uri="{BB962C8B-B14F-4D97-AF65-F5344CB8AC3E}">
+        <p14:creationId xmlns:p14="http://schemas.microsoft.com/office/powerpoint/2010/main" val="2550252639"/>
+      </p:ext>
+    </p:extLst>
+  </p:cSld>
+  <p:clrMapOvr>
+    <a:masterClrMapping/>
+  </p:clrMapOvr>
+  <p:timing>
+    <p:tnLst>
+      <p:par>
+        <p:cTn id="1" dur="indefinite" restart="never" nodeType="tmRoot"/>
+      </p:par>
+    </p:tnLst>
+  </p:timing>
+</p:sld>
+</file>
+
+<file path=ppt/slides/slide4.xml><?xml version="1.0" encoding="utf-8"?>
+<p:sld xmlns:a="http://schemas.openxmlformats.org/drawingml/2006/main" xmlns:r="http://schemas.openxmlformats.org/officeDocument/2006/relationships" xmlns:p="http://schemas.openxmlformats.org/presentationml/2006/main">
+  <p:cSld>
+    <p:spTree>
+      <p:nvGrpSpPr>
+        <p:cNvPr id="1" name=""/>
+        <p:cNvGrpSpPr/>
+        <p:nvPr/>
+      </p:nvGrpSpPr>
+      <p:grpSpPr>
+        <a:xfrm>
+          <a:off x="0" y="0"/>
+          <a:ext cx="0" cy="0"/>
+          <a:chOff x="0" y="0"/>
+          <a:chExt cx="0" cy="0"/>
+        </a:xfrm>
+      </p:grpSpPr>
+      <p:sp>
+        <p:nvSpPr>
+          <p:cNvPr id="3" name="文本框 2"/>
+          <p:cNvSpPr txBox="1"/>
+          <p:nvPr/>
+        </p:nvSpPr>
+        <p:spPr>
+          <a:xfrm>
+            <a:off x="827584" y="1223863"/>
+            <a:ext cx="7416824" cy="4431983"/>
+          </a:xfrm>
+          <a:prstGeom prst="rect">
+            <a:avLst/>
+          </a:prstGeom>
+          <a:noFill/>
+        </p:spPr>
+        <p:txBody>
+          <a:bodyPr wrap="square" rtlCol="0">
+            <a:spAutoFit/>
+          </a:bodyPr>
+          <a:lstStyle/>
+          <a:p>
+            <a:r>
+              <a:rPr lang="en-US" altLang="zh-CN" sz="2400" b="1" smtClean="0"/>
+              <a:t>System</a:t>
+            </a:r>
+            <a:r>
+              <a:rPr lang="en-US" altLang="zh-CN" sz="2400" smtClean="0"/>
+              <a:t> </a:t>
+            </a:r>
+            <a:r>
+              <a:rPr lang="en-US" altLang="zh-CN" sz="2400" b="1" smtClean="0"/>
+              <a:t>ML</a:t>
+            </a:r>
+          </a:p>
+          <a:p>
+            <a:pPr marL="342900" indent="-342900">
+              <a:buFont typeface="Wingdings" panose="05000000000000000000" pitchFamily="2" charset="2"/>
+              <a:buChar char="Ø"/>
+            </a:pPr>
+            <a:r>
+              <a:rPr lang="zh-CN" altLang="en-US">
+                <a:latin typeface="+mn-ea"/>
+              </a:rPr>
+              <a:t>一门灵活的、可伸缩的机器学习 </a:t>
+            </a:r>
+            <a:r>
+              <a:rPr lang="en-US" altLang="zh-CN">
+                <a:latin typeface="+mn-ea"/>
+              </a:rPr>
+              <a:t>(ML) </a:t>
+            </a:r>
+            <a:r>
+              <a:rPr lang="zh-CN" altLang="en-US" smtClean="0">
+                <a:latin typeface="+mn-ea"/>
+              </a:rPr>
+              <a:t>语言</a:t>
+            </a:r>
+            <a:endParaRPr lang="en-US" altLang="zh-CN" smtClean="0">
+              <a:latin typeface="+mn-ea"/>
+            </a:endParaRPr>
+          </a:p>
+          <a:p>
+            <a:pPr marL="342900" indent="-342900">
+              <a:buFont typeface="Wingdings" panose="05000000000000000000" pitchFamily="2" charset="2"/>
+              <a:buChar char="Ø"/>
+            </a:pPr>
+            <a:r>
+              <a:rPr lang="zh-CN" altLang="en-US" smtClean="0">
+                <a:latin typeface="+mn-ea"/>
+              </a:rPr>
+              <a:t>支持</a:t>
+            </a:r>
+            <a:r>
+              <a:rPr lang="zh-CN" altLang="en-US">
+                <a:latin typeface="+mn-ea"/>
+              </a:rPr>
+              <a:t>描述性分析、分类、聚类、回归、矩阵分解以及生存分析等算法。</a:t>
+            </a:r>
+          </a:p>
+          <a:p>
+            <a:pPr marL="342900" indent="-342900">
+              <a:buFont typeface="Wingdings" panose="05000000000000000000" pitchFamily="2" charset="2"/>
+              <a:buChar char="Ø"/>
+            </a:pPr>
+            <a:r>
+              <a:rPr lang="en-US" altLang="zh-CN" err="1">
+                <a:latin typeface="+mn-ea"/>
+              </a:rPr>
+              <a:t>SystemML</a:t>
+            </a:r>
+            <a:r>
+              <a:rPr lang="zh-CN" altLang="en-US">
+                <a:latin typeface="+mn-ea"/>
+              </a:rPr>
+              <a:t>有多种执行模式</a:t>
+            </a:r>
+            <a:r>
+              <a:rPr lang="zh-CN" altLang="en-US" smtClean="0">
+                <a:latin typeface="+mn-ea"/>
+              </a:rPr>
+              <a:t>。</a:t>
+            </a:r>
+            <a:endParaRPr lang="en-US" altLang="zh-CN" smtClean="0">
+              <a:latin typeface="+mn-ea"/>
+            </a:endParaRPr>
+          </a:p>
+          <a:p>
+            <a:pPr marL="800100" lvl="1" indent="-342900">
+              <a:buFont typeface="Wingdings" panose="05000000000000000000" pitchFamily="2" charset="2"/>
+              <a:buChar char="Ø"/>
+            </a:pPr>
+            <a:r>
+              <a:rPr lang="zh-CN" altLang="en-US" smtClean="0">
+                <a:latin typeface="+mn-ea"/>
+              </a:rPr>
+              <a:t>在</a:t>
+            </a:r>
+            <a:r>
+              <a:rPr lang="zh-CN" altLang="en-US">
+                <a:latin typeface="+mn-ea"/>
+              </a:rPr>
+              <a:t>独立模式下，</a:t>
+            </a:r>
+            <a:r>
+              <a:rPr lang="en-US" altLang="zh-CN" err="1">
+                <a:latin typeface="+mn-ea"/>
+              </a:rPr>
+              <a:t>SystemML</a:t>
+            </a:r>
+            <a:r>
+              <a:rPr lang="zh-CN" altLang="en-US">
+                <a:latin typeface="+mn-ea"/>
+              </a:rPr>
+              <a:t>能够运行在单台机器上</a:t>
+            </a:r>
+            <a:r>
+              <a:rPr lang="zh-CN" altLang="en-US" smtClean="0">
+                <a:latin typeface="+mn-ea"/>
+              </a:rPr>
+              <a:t>，这样</a:t>
+            </a:r>
+            <a:r>
+              <a:rPr lang="zh-CN" altLang="en-US">
+                <a:latin typeface="+mn-ea"/>
+              </a:rPr>
+              <a:t>数据科学家就能够在本地开发算法，不需要分布式集群</a:t>
+            </a:r>
+            <a:r>
+              <a:rPr lang="zh-CN" altLang="en-US" smtClean="0">
+                <a:latin typeface="+mn-ea"/>
+              </a:rPr>
+              <a:t>。</a:t>
+            </a:r>
+            <a:endParaRPr lang="en-US" altLang="zh-CN" smtClean="0">
+              <a:latin typeface="+mn-ea"/>
+            </a:endParaRPr>
+          </a:p>
+          <a:p>
+            <a:pPr marL="800100" lvl="1" indent="-342900">
+              <a:buFont typeface="Wingdings" panose="05000000000000000000" pitchFamily="2" charset="2"/>
+              <a:buChar char="Ø"/>
+            </a:pPr>
+            <a:r>
+              <a:rPr lang="zh-CN" altLang="en-US" smtClean="0">
+                <a:latin typeface="+mn-ea"/>
+              </a:rPr>
+              <a:t>另外</a:t>
+            </a:r>
+            <a:r>
+              <a:rPr lang="zh-CN" altLang="en-US">
+                <a:latin typeface="+mn-ea"/>
+              </a:rPr>
+              <a:t>还可以将算法分发到</a:t>
+            </a:r>
+            <a:r>
+              <a:rPr lang="en-US" altLang="zh-CN">
+                <a:latin typeface="+mn-ea"/>
+              </a:rPr>
+              <a:t>Hadoop</a:t>
+            </a:r>
+            <a:r>
+              <a:rPr lang="zh-CN" altLang="en-US">
+                <a:latin typeface="+mn-ea"/>
+              </a:rPr>
+              <a:t>或者</a:t>
+            </a:r>
+            <a:r>
+              <a:rPr lang="en-US" altLang="zh-CN">
+                <a:latin typeface="+mn-ea"/>
+              </a:rPr>
+              <a:t>Spark</a:t>
+            </a:r>
+            <a:r>
+              <a:rPr lang="zh-CN" altLang="en-US">
+                <a:latin typeface="+mn-ea"/>
+              </a:rPr>
+              <a:t>上</a:t>
+            </a:r>
+            <a:r>
+              <a:rPr lang="zh-CN" altLang="en-US" smtClean="0">
+                <a:latin typeface="+mn-ea"/>
+              </a:rPr>
+              <a:t>，从而</a:t>
+            </a:r>
+            <a:r>
+              <a:rPr lang="zh-CN" altLang="en-US">
+                <a:latin typeface="+mn-ea"/>
+              </a:rPr>
+              <a:t>利用已有的资源和技能。</a:t>
+            </a:r>
+            <a:r>
+              <a:rPr lang="en-US" altLang="zh-CN" err="1">
+                <a:latin typeface="+mn-ea"/>
+              </a:rPr>
+              <a:t>SystemML</a:t>
+            </a:r>
+            <a:r>
+              <a:rPr lang="zh-CN" altLang="en-US">
+                <a:latin typeface="+mn-ea"/>
+              </a:rPr>
+              <a:t>能够运行于</a:t>
+            </a:r>
+            <a:r>
+              <a:rPr lang="en-US" altLang="zh-CN">
+                <a:latin typeface="+mn-ea"/>
+              </a:rPr>
+              <a:t>Windows</a:t>
+            </a:r>
+            <a:r>
+              <a:rPr lang="zh-CN" altLang="en-US">
+                <a:latin typeface="+mn-ea"/>
+              </a:rPr>
+              <a:t>、 </a:t>
+            </a:r>
+            <a:r>
+              <a:rPr lang="en-US" altLang="zh-CN">
+                <a:latin typeface="+mn-ea"/>
+              </a:rPr>
+              <a:t>Linux</a:t>
+            </a:r>
+            <a:r>
+              <a:rPr lang="zh-CN" altLang="en-US">
+                <a:latin typeface="+mn-ea"/>
+              </a:rPr>
+              <a:t>以及</a:t>
+            </a:r>
+            <a:r>
+              <a:rPr lang="en-US" altLang="zh-CN" err="1">
+                <a:latin typeface="+mn-ea"/>
+              </a:rPr>
+              <a:t>MacOS</a:t>
+            </a:r>
+            <a:r>
+              <a:rPr lang="zh-CN" altLang="en-US">
+                <a:latin typeface="+mn-ea"/>
+              </a:rPr>
+              <a:t>上。</a:t>
+            </a:r>
+          </a:p>
+          <a:p>
+            <a:pPr marL="342900" indent="-342900">
+              <a:buFont typeface="Wingdings" panose="05000000000000000000" pitchFamily="2" charset="2"/>
+              <a:buChar char="Ø"/>
+            </a:pPr>
+            <a:r>
+              <a:rPr lang="en-US" altLang="zh-CN" err="1">
+                <a:latin typeface="+mn-ea"/>
+              </a:rPr>
+              <a:t>SystemML</a:t>
+            </a:r>
+            <a:r>
+              <a:rPr lang="zh-CN" altLang="en-US">
+                <a:latin typeface="+mn-ea"/>
+              </a:rPr>
+              <a:t>使用</a:t>
+            </a:r>
+            <a:r>
+              <a:rPr lang="en-US" altLang="zh-CN">
+                <a:latin typeface="+mn-ea"/>
+              </a:rPr>
+              <a:t>Java</a:t>
+            </a:r>
+            <a:r>
+              <a:rPr lang="zh-CN" altLang="en-US">
+                <a:latin typeface="+mn-ea"/>
+              </a:rPr>
+              <a:t>语言编写，开发人员能够使用类似于</a:t>
+            </a:r>
+            <a:r>
+              <a:rPr lang="en-US" altLang="zh-CN">
+                <a:latin typeface="+mn-ea"/>
+              </a:rPr>
+              <a:t>R</a:t>
+            </a:r>
+            <a:r>
+              <a:rPr lang="zh-CN" altLang="en-US">
+                <a:latin typeface="+mn-ea"/>
+              </a:rPr>
+              <a:t>或者</a:t>
+            </a:r>
+            <a:r>
+              <a:rPr lang="en-US" altLang="zh-CN">
+                <a:latin typeface="+mn-ea"/>
+              </a:rPr>
+              <a:t>Python</a:t>
+            </a:r>
+            <a:r>
+              <a:rPr lang="zh-CN" altLang="en-US">
+                <a:latin typeface="+mn-ea"/>
+              </a:rPr>
+              <a:t>的语法表达算法</a:t>
+            </a:r>
+            <a:r>
+              <a:rPr lang="zh-CN" altLang="en-US" smtClean="0">
+                <a:latin typeface="+mn-ea"/>
+              </a:rPr>
+              <a:t>，通过</a:t>
+            </a:r>
+            <a:r>
+              <a:rPr lang="en-US" altLang="zh-CN">
+                <a:latin typeface="+mn-ea"/>
+              </a:rPr>
+              <a:t>Java</a:t>
+            </a:r>
+            <a:r>
+              <a:rPr lang="zh-CN" altLang="en-US">
+                <a:latin typeface="+mn-ea"/>
+              </a:rPr>
+              <a:t>、</a:t>
+            </a:r>
+            <a:r>
+              <a:rPr lang="en-US" altLang="zh-CN">
+                <a:latin typeface="+mn-ea"/>
+              </a:rPr>
+              <a:t>Scala</a:t>
+            </a:r>
+            <a:r>
+              <a:rPr lang="zh-CN" altLang="en-US">
+                <a:latin typeface="+mn-ea"/>
+              </a:rPr>
+              <a:t>以及</a:t>
+            </a:r>
+            <a:r>
+              <a:rPr lang="en-US" altLang="zh-CN">
+                <a:latin typeface="+mn-ea"/>
+              </a:rPr>
+              <a:t>Python</a:t>
+            </a:r>
+            <a:r>
+              <a:rPr lang="zh-CN" altLang="en-US">
+                <a:latin typeface="+mn-ea"/>
+              </a:rPr>
+              <a:t>操作</a:t>
+            </a:r>
+            <a:r>
+              <a:rPr lang="en-US" altLang="zh-CN" err="1">
+                <a:latin typeface="+mn-ea"/>
+              </a:rPr>
+              <a:t>SystemML</a:t>
+            </a:r>
+            <a:r>
+              <a:rPr lang="zh-CN" altLang="en-US">
+                <a:latin typeface="+mn-ea"/>
+              </a:rPr>
+              <a:t>。</a:t>
+            </a:r>
+          </a:p>
+          <a:p>
+            <a:pPr marL="342900" indent="-342900">
+              <a:buFont typeface="Wingdings" panose="05000000000000000000" pitchFamily="2" charset="2"/>
+              <a:buChar char="Ø"/>
+            </a:pPr>
+            <a:r>
+              <a:rPr lang="zh-CN" altLang="en-US">
+                <a:latin typeface="+mn-ea"/>
+              </a:rPr>
+              <a:t>文档方面，</a:t>
+            </a:r>
+            <a:r>
+              <a:rPr lang="en-US" altLang="zh-CN" err="1">
+                <a:latin typeface="+mn-ea"/>
+              </a:rPr>
+              <a:t>SystemML</a:t>
+            </a:r>
+            <a:r>
+              <a:rPr lang="zh-CN" altLang="en-US">
+                <a:latin typeface="+mn-ea"/>
+              </a:rPr>
+              <a:t>基本集中于</a:t>
+            </a:r>
+            <a:r>
+              <a:rPr lang="en-US" altLang="zh-CN">
+                <a:latin typeface="+mn-ea"/>
+              </a:rPr>
+              <a:t>GitHub</a:t>
+            </a:r>
+            <a:r>
+              <a:rPr lang="zh-CN" altLang="en-US">
+                <a:latin typeface="+mn-ea"/>
+              </a:rPr>
+              <a:t>上</a:t>
+            </a:r>
+            <a:r>
+              <a:rPr lang="zh-CN" altLang="en-US" smtClean="0">
+                <a:latin typeface="+mn-ea"/>
+              </a:rPr>
+              <a:t>，包括</a:t>
+            </a:r>
+            <a:r>
+              <a:rPr lang="zh-CN" altLang="en-US">
+                <a:latin typeface="+mn-ea"/>
+              </a:rPr>
+              <a:t>构建、测试、独立模式运行命令以及一个线性回归的示例。</a:t>
+            </a:r>
+          </a:p>
+          <a:p>
+            <a:pPr marL="342900" indent="-342900">
+              <a:buFont typeface="Wingdings" panose="05000000000000000000" pitchFamily="2" charset="2"/>
+              <a:buChar char="Ø"/>
+            </a:pPr>
+            <a:endParaRPr lang="en-US" altLang="zh-CN" sz="2400" b="1"/>
+          </a:p>
+        </p:txBody>
+      </p:sp>
+    </p:spTree>
+    <p:extLst>
+      <p:ext uri="{BB962C8B-B14F-4D97-AF65-F5344CB8AC3E}">
+        <p14:creationId xmlns:p14="http://schemas.microsoft.com/office/powerpoint/2010/main" val="3193405218"/>
+      </p:ext>
+    </p:extLst>
+  </p:cSld>
+  <p:clrMapOvr>
+    <a:masterClrMapping/>
+  </p:clrMapOvr>
+  <p:timing>
+    <p:tnLst>
+      <p:par>
+        <p:cTn id="1" dur="indefinite" restart="never" nodeType="tmRoot"/>
+      </p:par>
+    </p:tnLst>
+  </p:timing>
+</p:sld>
+</file>
+
+<file path=ppt/slides/slide5.xml><?xml version="1.0" encoding="utf-8"?>
+<p:sld xmlns:a="http://schemas.openxmlformats.org/drawingml/2006/main" xmlns:r="http://schemas.openxmlformats.org/officeDocument/2006/relationships" xmlns:p="http://schemas.openxmlformats.org/presentationml/2006/main">
+  <p:cSld>
+    <p:spTree>
+      <p:nvGrpSpPr>
+        <p:cNvPr id="1" name=""/>
+        <p:cNvGrpSpPr/>
+        <p:nvPr/>
+      </p:nvGrpSpPr>
+      <p:grpSpPr>
+        <a:xfrm>
+          <a:off x="0" y="0"/>
+          <a:ext cx="0" cy="0"/>
+          <a:chOff x="0" y="0"/>
+          <a:chExt cx="0" cy="0"/>
+        </a:xfrm>
+      </p:grpSpPr>
+      <p:sp>
+        <p:nvSpPr>
+          <p:cNvPr id="3" name="文本框 2"/>
+          <p:cNvSpPr txBox="1"/>
+          <p:nvPr/>
+        </p:nvSpPr>
+        <p:spPr>
+          <a:xfrm>
+            <a:off x="1115616" y="1141901"/>
+            <a:ext cx="1544012" cy="461665"/>
+          </a:xfrm>
+          <a:prstGeom prst="rect">
+            <a:avLst/>
+          </a:prstGeom>
+          <a:noFill/>
+        </p:spPr>
+        <p:txBody>
+          <a:bodyPr wrap="none" rtlCol="0">
+            <a:spAutoFit/>
+          </a:bodyPr>
+          <a:lstStyle/>
+          <a:p>
+            <a:r>
+              <a:rPr lang="en-US" altLang="zh-CN" sz="2400" b="1" err="1" smtClean="0"/>
+              <a:t>SparkMLib</a:t>
+            </a:r>
+            <a:endParaRPr lang="zh-CN" altLang="en-US" sz="2400" b="1"/>
+          </a:p>
+        </p:txBody>
+      </p:sp>
+      <p:sp>
+        <p:nvSpPr>
+          <p:cNvPr id="2" name="文本框 1"/>
+          <p:cNvSpPr txBox="1"/>
+          <p:nvPr/>
+        </p:nvSpPr>
+        <p:spPr>
+          <a:xfrm>
+            <a:off x="1259632" y="1871935"/>
+            <a:ext cx="6984776" cy="646331"/>
+          </a:xfrm>
+          <a:prstGeom prst="rect">
+            <a:avLst/>
+          </a:prstGeom>
+          <a:noFill/>
+        </p:spPr>
+        <p:txBody>
+          <a:bodyPr wrap="square" rtlCol="0">
+            <a:spAutoFit/>
+          </a:bodyPr>
+          <a:lstStyle/>
+          <a:p>
+            <a:pPr marL="285750" indent="-285750">
+              <a:buFont typeface="Wingdings" panose="05000000000000000000" pitchFamily="2" charset="2"/>
+              <a:buChar char="Ø"/>
+            </a:pPr>
+            <a:r>
+              <a:rPr lang="en-US" altLang="zh-CN" err="1"/>
+              <a:t>MLib</a:t>
+            </a:r>
+            <a:r>
+              <a:rPr lang="zh-CN" altLang="en-US"/>
+              <a:t>有更加宽广的算法选择和更大、更多专门致力于此的团队</a:t>
+            </a:r>
+            <a:r>
+              <a:rPr lang="en-US" altLang="zh-CN"/>
+              <a:t>.</a:t>
+            </a:r>
+          </a:p>
+          <a:p>
+            <a:pPr marL="285750" indent="-285750">
+              <a:buFont typeface="Wingdings" panose="05000000000000000000" pitchFamily="2" charset="2"/>
+              <a:buChar char="Ø"/>
+            </a:pPr>
+            <a:r>
+              <a:rPr lang="en-US" altLang="zh-CN" err="1" smtClean="0"/>
+              <a:t>MLib</a:t>
+            </a:r>
+            <a:r>
+              <a:rPr lang="zh-CN" altLang="en-US"/>
+              <a:t>在大部分机器学习领域提供了更好的</a:t>
+            </a:r>
+            <a:r>
+              <a:rPr lang="zh-CN" altLang="en-US" smtClean="0"/>
+              <a:t>选择</a:t>
+            </a:r>
+            <a:endParaRPr lang="zh-CN" altLang="en-US"/>
+          </a:p>
+        </p:txBody>
+      </p:sp>
+    </p:spTree>
+    <p:extLst>
+      <p:ext uri="{BB962C8B-B14F-4D97-AF65-F5344CB8AC3E}">
+        <p14:creationId xmlns:p14="http://schemas.microsoft.com/office/powerpoint/2010/main" val="2309918816"/>
+      </p:ext>
+    </p:extLst>
+  </p:cSld>
+  <p:clrMapOvr>
+    <a:masterClrMapping/>
+  </p:clrMapOvr>
+  <p:timing>
+    <p:tnLst>
+      <p:par>
+        <p:cTn id="1" dur="indefinite" restart="never" nodeType="tmRoot"/>
+      </p:par>
+    </p:tnLst>
+  </p:timing>
+</p:sld>
+</file>
+
+<file path=ppt/slides/slide6.xml><?xml version="1.0" encoding="utf-8"?>
+<p:sld xmlns:a="http://schemas.openxmlformats.org/drawingml/2006/main" xmlns:r="http://schemas.openxmlformats.org/officeDocument/2006/relationships" xmlns:p="http://schemas.openxmlformats.org/presentationml/2006/main">
+  <p:cSld>
+    <p:spTree>
+      <p:nvGrpSpPr>
+        <p:cNvPr id="1" name=""/>
+        <p:cNvGrpSpPr/>
+        <p:nvPr/>
+      </p:nvGrpSpPr>
+      <p:grpSpPr>
+        <a:xfrm>
+          <a:off x="0" y="0"/>
+          <a:ext cx="0" cy="0"/>
+          <a:chOff x="0" y="0"/>
+          <a:chExt cx="0" cy="0"/>
+        </a:xfrm>
+      </p:grpSpPr>
+      <p:sp>
+        <p:nvSpPr>
+          <p:cNvPr id="3" name="文本框 2"/>
+          <p:cNvSpPr txBox="1"/>
+          <p:nvPr/>
+        </p:nvSpPr>
+        <p:spPr>
+          <a:xfrm>
+            <a:off x="1115616" y="1141901"/>
+            <a:ext cx="6863867" cy="461665"/>
+          </a:xfrm>
+          <a:prstGeom prst="rect">
+            <a:avLst/>
+          </a:prstGeom>
+          <a:noFill/>
+        </p:spPr>
+        <p:txBody>
+          <a:bodyPr wrap="none" rtlCol="0">
+            <a:spAutoFit/>
+          </a:bodyPr>
+          <a:lstStyle/>
+          <a:p>
+            <a:r>
+              <a:rPr lang="en-US" altLang="zh-CN" sz="2400" b="1" smtClean="0"/>
+              <a:t>H2O</a:t>
+            </a:r>
+            <a:r>
+              <a:rPr lang="zh-CN" altLang="en-US" sz="2400" b="1" smtClean="0"/>
+              <a:t>：</a:t>
+            </a:r>
+            <a:r>
+              <a:rPr lang="en-US" altLang="zh-CN" sz="2400" b="1" err="1"/>
+              <a:t>0xdata</a:t>
+            </a:r>
+            <a:r>
+              <a:rPr lang="zh-CN" altLang="en-US" sz="2400" b="1"/>
+              <a:t>的旗舰产品，针对欺诈或者趋势预测</a:t>
+            </a:r>
+            <a:endParaRPr lang="zh-CN" altLang="en-US" sz="2400" b="1"/>
+          </a:p>
+        </p:txBody>
+      </p:sp>
+      <p:sp>
+        <p:nvSpPr>
+          <p:cNvPr id="2" name="文本框 1"/>
+          <p:cNvSpPr txBox="1"/>
+          <p:nvPr/>
+        </p:nvSpPr>
+        <p:spPr>
+          <a:xfrm>
+            <a:off x="1187624" y="1871935"/>
+            <a:ext cx="6791859" cy="2308324"/>
+          </a:xfrm>
+          <a:prstGeom prst="rect">
+            <a:avLst/>
+          </a:prstGeom>
+          <a:noFill/>
+        </p:spPr>
+        <p:txBody>
+          <a:bodyPr wrap="square" rtlCol="0">
+            <a:spAutoFit/>
+          </a:bodyPr>
+          <a:lstStyle/>
+          <a:p>
+            <a:pPr marL="285750" indent="-285750">
+              <a:buFont typeface="Wingdings" panose="05000000000000000000" pitchFamily="2" charset="2"/>
+              <a:buChar char="Ø"/>
+            </a:pPr>
+            <a:r>
+              <a:rPr lang="zh-CN" altLang="en-US"/>
+              <a:t>在这些工具中，</a:t>
+            </a:r>
+            <a:r>
+              <a:rPr lang="en-US" altLang="zh-CN"/>
+              <a:t>H2O</a:t>
+            </a:r>
+            <a:r>
+              <a:rPr lang="zh-CN" altLang="en-US"/>
+              <a:t>是唯一一个可以被称为产品的，而不只是项目。</a:t>
+            </a:r>
+          </a:p>
+          <a:p>
+            <a:pPr marL="285750" indent="-285750">
+              <a:buFont typeface="Wingdings" panose="05000000000000000000" pitchFamily="2" charset="2"/>
+              <a:buChar char="Ø"/>
+            </a:pPr>
+            <a:r>
+              <a:rPr lang="zh-CN" altLang="en-US"/>
+              <a:t>最突出的特性</a:t>
+            </a:r>
+            <a:r>
+              <a:rPr lang="en-US" altLang="zh-CN"/>
+              <a:t>:</a:t>
+            </a:r>
+            <a:r>
+              <a:rPr lang="zh-CN" altLang="en-US"/>
+              <a:t>提供了图形界面</a:t>
+            </a:r>
+            <a:r>
+              <a:rPr lang="en-US" altLang="zh-CN"/>
+              <a:t>;</a:t>
+            </a:r>
+            <a:r>
+              <a:rPr lang="zh-CN" altLang="en-US"/>
+              <a:t>提供了许多深度神经网络工具。深度学习是</a:t>
+            </a:r>
+            <a:r>
+              <a:rPr lang="en-US" altLang="zh-CN"/>
+              <a:t>H2O</a:t>
+            </a:r>
+            <a:r>
+              <a:rPr lang="zh-CN" altLang="en-US"/>
+              <a:t>的一个重要特性。</a:t>
+            </a:r>
+          </a:p>
+          <a:p>
+            <a:pPr marL="285750" indent="-285750">
+              <a:buFont typeface="Wingdings" panose="05000000000000000000" pitchFamily="2" charset="2"/>
+              <a:buChar char="Ø"/>
+            </a:pPr>
+            <a:r>
+              <a:rPr lang="zh-CN" altLang="en-US"/>
+              <a:t>相对于其他开源的机器学习算法包，</a:t>
+            </a:r>
+            <a:r>
+              <a:rPr lang="en-US" altLang="zh-CN" err="1"/>
+              <a:t>h2o</a:t>
+            </a:r>
+            <a:r>
+              <a:rPr lang="zh-CN" altLang="en-US"/>
+              <a:t>是一个机器学习产品，更加好用适用，从实际问题出发，结合产品的思维，开发实现的机器学习框架，适合工业应用</a:t>
+            </a:r>
+            <a:r>
+              <a:rPr lang="zh-CN" altLang="en-US" smtClean="0"/>
+              <a:t>。</a:t>
+            </a:r>
+            <a:endParaRPr lang="en-US" altLang="zh-CN" smtClean="0"/>
+          </a:p>
+          <a:p>
+            <a:pPr marL="285750" indent="-285750">
+              <a:buFont typeface="Wingdings" panose="05000000000000000000" pitchFamily="2" charset="2"/>
+              <a:buChar char="Ø"/>
+            </a:pPr>
+            <a:r>
+              <a:rPr lang="zh-CN" altLang="en-US" smtClean="0"/>
+              <a:t>缺点：文档较少</a:t>
+            </a:r>
+            <a:endParaRPr lang="zh-CN" altLang="en-US"/>
+          </a:p>
+        </p:txBody>
+      </p:sp>
+    </p:spTree>
+    <p:extLst>
+      <p:ext uri="{BB962C8B-B14F-4D97-AF65-F5344CB8AC3E}">
+        <p14:creationId xmlns:p14="http://schemas.microsoft.com/office/powerpoint/2010/main" val="2144989070"/>
+      </p:ext>
+    </p:extLst>
+  </p:cSld>
+  <p:clrMapOvr>
+    <a:masterClrMapping/>
+  </p:clrMapOvr>
+  <p:timing>
+    <p:tnLst>
+      <p:par>
+        <p:cTn id="1" dur="indefinite" restart="never" nodeType="tmRoot"/>
+      </p:par>
+    </p:tnLst>
+  </p:timing>
+</p:sld>
+</file>
+
+<file path=ppt/slides/slide7.xml><?xml version="1.0" encoding="utf-8"?>
+<p:sld xmlns:a="http://schemas.openxmlformats.org/drawingml/2006/main" xmlns:r="http://schemas.openxmlformats.org/officeDocument/2006/relationships" xmlns:p="http://schemas.openxmlformats.org/presentationml/2006/main">
+  <p:cSld>
+    <p:spTree>
+      <p:nvGrpSpPr>
+        <p:cNvPr id="1" name=""/>
+        <p:cNvGrpSpPr/>
+        <p:nvPr/>
+      </p:nvGrpSpPr>
+      <p:grpSpPr>
+        <a:xfrm>
+          <a:off x="0" y="0"/>
+          <a:ext cx="0" cy="0"/>
+          <a:chOff x="0" y="0"/>
+          <a:chExt cx="0" cy="0"/>
+        </a:xfrm>
+      </p:grpSpPr>
       <p:pic>
         <p:nvPicPr>
           <p:cNvPr id="2" name="图片 1"/>
@@ -4471,7 +5739,7 @@
         </p:blipFill>
         <p:spPr>
           <a:xfrm>
-            <a:off x="-972616" y="1151855"/>
+            <a:off x="1115616" y="1079847"/>
             <a:ext cx="6117582" cy="4564800"/>
           </a:xfrm>
           <a:prstGeom prst="rect">
@@ -4479,6 +5747,155 @@
           </a:prstGeom>
         </p:spPr>
       </p:pic>
+      <p:sp>
+        <p:nvSpPr>
+          <p:cNvPr id="3" name="文本框 2"/>
+          <p:cNvSpPr txBox="1"/>
+          <p:nvPr/>
+        </p:nvSpPr>
+        <p:spPr>
+          <a:xfrm>
+            <a:off x="7308308" y="1727919"/>
+            <a:ext cx="646331" cy="369332"/>
+          </a:xfrm>
+          <a:prstGeom prst="rect">
+            <a:avLst/>
+          </a:prstGeom>
+          <a:noFill/>
+        </p:spPr>
+        <p:txBody>
+          <a:bodyPr wrap="none" rtlCol="0">
+            <a:spAutoFit/>
+          </a:bodyPr>
+          <a:lstStyle/>
+          <a:p>
+            <a:r>
+              <a:rPr lang="zh-CN" altLang="en-US" smtClean="0"/>
+              <a:t>分类</a:t>
+            </a:r>
+            <a:endParaRPr lang="zh-CN" altLang="en-US"/>
+          </a:p>
+        </p:txBody>
+      </p:sp>
+      <p:sp>
+        <p:nvSpPr>
+          <p:cNvPr id="4" name="文本框 3"/>
+          <p:cNvSpPr txBox="1"/>
+          <p:nvPr/>
+        </p:nvSpPr>
+        <p:spPr>
+          <a:xfrm>
+            <a:off x="7308307" y="2494011"/>
+            <a:ext cx="646331" cy="369332"/>
+          </a:xfrm>
+          <a:prstGeom prst="rect">
+            <a:avLst/>
+          </a:prstGeom>
+          <a:noFill/>
+        </p:spPr>
+        <p:txBody>
+          <a:bodyPr wrap="none" rtlCol="0">
+            <a:spAutoFit/>
+          </a:bodyPr>
+          <a:lstStyle/>
+          <a:p>
+            <a:r>
+              <a:rPr lang="zh-CN" altLang="en-US" smtClean="0"/>
+              <a:t>聚类</a:t>
+            </a:r>
+            <a:endParaRPr lang="zh-CN" altLang="en-US"/>
+          </a:p>
+        </p:txBody>
+      </p:sp>
+      <p:sp>
+        <p:nvSpPr>
+          <p:cNvPr id="5" name="文本框 4"/>
+          <p:cNvSpPr txBox="1"/>
+          <p:nvPr/>
+        </p:nvSpPr>
+        <p:spPr>
+          <a:xfrm>
+            <a:off x="7308306" y="3177581"/>
+            <a:ext cx="1107996" cy="369332"/>
+          </a:xfrm>
+          <a:prstGeom prst="rect">
+            <a:avLst/>
+          </a:prstGeom>
+          <a:noFill/>
+        </p:spPr>
+        <p:txBody>
+          <a:bodyPr wrap="none" rtlCol="0">
+            <a:spAutoFit/>
+          </a:bodyPr>
+          <a:lstStyle/>
+          <a:p>
+            <a:r>
+              <a:rPr lang="zh-CN" altLang="en-US" smtClean="0"/>
+              <a:t>协同过滤</a:t>
+            </a:r>
+            <a:endParaRPr lang="zh-CN" altLang="en-US"/>
+          </a:p>
+        </p:txBody>
+      </p:sp>
+      <p:sp>
+        <p:nvSpPr>
+          <p:cNvPr id="6" name="文本框 5"/>
+          <p:cNvSpPr txBox="1"/>
+          <p:nvPr/>
+        </p:nvSpPr>
+        <p:spPr>
+          <a:xfrm>
+            <a:off x="7308305" y="3943673"/>
+            <a:ext cx="1107996" cy="369332"/>
+          </a:xfrm>
+          <a:prstGeom prst="rect">
+            <a:avLst/>
+          </a:prstGeom>
+          <a:noFill/>
+        </p:spPr>
+        <p:txBody>
+          <a:bodyPr wrap="none" rtlCol="0">
+            <a:spAutoFit/>
+          </a:bodyPr>
+          <a:lstStyle/>
+          <a:p>
+            <a:r>
+              <a:rPr lang="zh-CN" altLang="en-US" smtClean="0"/>
+              <a:t>深度学习</a:t>
+            </a:r>
+            <a:endParaRPr lang="zh-CN" altLang="en-US"/>
+          </a:p>
+        </p:txBody>
+      </p:sp>
+      <p:sp>
+        <p:nvSpPr>
+          <p:cNvPr id="7" name="文本框 6"/>
+          <p:cNvSpPr txBox="1"/>
+          <p:nvPr/>
+        </p:nvSpPr>
+        <p:spPr>
+          <a:xfrm>
+            <a:off x="7308304" y="4608184"/>
+            <a:ext cx="646331" cy="369332"/>
+          </a:xfrm>
+          <a:prstGeom prst="rect">
+            <a:avLst/>
+          </a:prstGeom>
+          <a:noFill/>
+        </p:spPr>
+        <p:txBody>
+          <a:bodyPr wrap="none" rtlCol="0">
+            <a:spAutoFit/>
+          </a:bodyPr>
+          <a:lstStyle/>
+          <a:p>
+            <a:r>
+              <a:rPr lang="zh-CN" altLang="en-US"/>
+              <a:t>回归</a:t>
+            </a:r>
+          </a:p>
+        </p:txBody>
+      </p:sp>
     </p:spTree>
     <p:extLst>
       <p:ext uri="{BB962C8B-B14F-4D97-AF65-F5344CB8AC3E}">
@@ -4499,7 +5916,7 @@
 </p:sld>
 </file>
 
-<file path=ppt/slides/slide4.xml><?xml version="1.0" encoding="utf-8"?>
+<file path=ppt/slides/slide8.xml><?xml version="1.0" encoding="utf-8"?>
 <p:sld xmlns:a="http://schemas.openxmlformats.org/drawingml/2006/main" xmlns:r="http://schemas.openxmlformats.org/officeDocument/2006/relationships" xmlns:p="http://schemas.openxmlformats.org/presentationml/2006/main">
   <p:cSld>
     <p:spTree>
@@ -4560,7 +5977,7 @@
 </p:sld>
 </file>
 
-<file path=ppt/slides/slide5.xml><?xml version="1.0" encoding="utf-8"?>
+<file path=ppt/slides/slide9.xml><?xml version="1.0" encoding="utf-8"?>
 <p:sld xmlns:a="http://schemas.openxmlformats.org/drawingml/2006/main" xmlns:r="http://schemas.openxmlformats.org/officeDocument/2006/relationships" xmlns:p="http://schemas.openxmlformats.org/presentationml/2006/main">
   <p:cSld>
     <p:spTree>
@@ -4586,7 +6003,7 @@
         <p:spPr>
           <a:xfrm>
             <a:off x="901233" y="2231975"/>
-            <a:ext cx="4572000" cy="2308324"/>
+            <a:ext cx="4572000" cy="1754326"/>
           </a:xfrm>
           <a:prstGeom prst="rect">
             <a:avLst/>
@@ -4599,84 +6016,65 @@
           <a:lstStyle/>
           <a:p>
             <a:r>
-              <a:rPr lang="zh-CN" altLang="en-US" dirty="0"/>
+              <a:rPr lang="zh-CN" altLang="en-US"/>
               <a:t>综</a:t>
             </a:r>
             <a:r>
-              <a:rPr lang="zh-CN" altLang="en-US" dirty="0" smtClean="0"/>
+              <a:rPr lang="zh-CN" altLang="en-US" smtClean="0"/>
               <a:t>合考虑平台支持和算法覆盖率，最终选择</a:t>
             </a:r>
             <a:r>
-              <a:rPr lang="en-US" altLang="zh-CN" dirty="0" err="1" smtClean="0"/>
+              <a:rPr lang="en-US" altLang="zh-CN" err="1" smtClean="0"/>
               <a:t>SparkMLib</a:t>
             </a:r>
             <a:r>
-              <a:rPr lang="zh-CN" altLang="en-US" dirty="0" smtClean="0"/>
-              <a:t>和</a:t>
-            </a:r>
-            <a:r>
-              <a:rPr lang="en-US" altLang="zh-CN" dirty="0" smtClean="0"/>
+              <a:rPr lang="zh-CN" altLang="en-US" smtClean="0"/>
+              <a:t>。</a:t>
+            </a:r>
+            <a:endParaRPr lang="en-US" altLang="zh-CN" smtClean="0"/>
+          </a:p>
+          <a:p>
+            <a:r>
+              <a:rPr lang="zh-CN" altLang="en-US" smtClean="0"/>
+              <a:t>如果</a:t>
+            </a:r>
+            <a:r>
+              <a:rPr lang="zh-CN" altLang="en-US" smtClean="0"/>
+              <a:t>有可视化界面以及深度学习的需求，那么</a:t>
+            </a:r>
+            <a:r>
+              <a:rPr lang="en-US" altLang="zh-CN" smtClean="0"/>
               <a:t>H2O</a:t>
             </a:r>
             <a:r>
-              <a:rPr lang="zh-CN" altLang="en-US" dirty="0" smtClean="0"/>
-              <a:t>。</a:t>
-            </a:r>
-            <a:endParaRPr lang="en-US" altLang="zh-CN" dirty="0" smtClean="0"/>
-          </a:p>
-          <a:p>
-            <a:r>
-              <a:rPr lang="zh-CN" altLang="en-US" dirty="0" smtClean="0"/>
-              <a:t>两者的速度都很快，</a:t>
-            </a:r>
-            <a:r>
-              <a:rPr lang="zh-CN" altLang="en-US" dirty="0" smtClean="0"/>
-              <a:t>可扩展性（对不同大小数据集的支持）都很好。</a:t>
-            </a:r>
-            <a:endParaRPr lang="en-US" altLang="zh-CN" dirty="0" smtClean="0"/>
-          </a:p>
-          <a:p>
-            <a:r>
-              <a:rPr lang="zh-CN" altLang="en-US" dirty="0"/>
-              <a:t>如</a:t>
-            </a:r>
-            <a:r>
-              <a:rPr lang="zh-CN" altLang="en-US" dirty="0" smtClean="0"/>
-              <a:t>果有可视化界面以及深度学习的需求，那么</a:t>
-            </a:r>
-            <a:r>
-              <a:rPr lang="en-US" altLang="zh-CN" dirty="0" smtClean="0"/>
+              <a:rPr lang="zh-CN" altLang="en-US" smtClean="0"/>
+              <a:t>将是更好的选择，</a:t>
+            </a:r>
+            <a:r>
+              <a:rPr lang="en-US" altLang="zh-CN" smtClean="0"/>
               <a:t>H2O</a:t>
             </a:r>
             <a:r>
-              <a:rPr lang="zh-CN" altLang="en-US" dirty="0" smtClean="0"/>
-              <a:t>将是更好的选择，</a:t>
-            </a:r>
-            <a:r>
-              <a:rPr lang="en-US" altLang="zh-CN" dirty="0" smtClean="0"/>
-              <a:t>H2O</a:t>
-            </a:r>
-            <a:r>
-              <a:rPr lang="zh-CN" altLang="en-US" dirty="0"/>
+              <a:rPr lang="zh-CN" altLang="en-US"/>
               <a:t>提</a:t>
             </a:r>
             <a:r>
-              <a:rPr lang="zh-CN" altLang="en-US" dirty="0" smtClean="0"/>
+              <a:rPr lang="zh-CN" altLang="en-US" smtClean="0"/>
               <a:t>供了简单易用的</a:t>
             </a:r>
             <a:r>
-              <a:rPr lang="en-US" altLang="zh-CN" dirty="0" err="1" smtClean="0"/>
+              <a:rPr lang="en-US" altLang="zh-CN" err="1" smtClean="0"/>
               <a:t>webUI</a:t>
             </a:r>
-            <a:endParaRPr lang="en-US" altLang="zh-CN" dirty="0" smtClean="0"/>
-          </a:p>
-          <a:p>
-            <a:r>
-              <a:rPr lang="en-US" altLang="zh-CN" dirty="0"/>
+            <a:endParaRPr lang="en-US" altLang="zh-CN" smtClean="0"/>
+          </a:p>
+          <a:p>
+            <a:r>
+              <a:rPr lang="en-US" altLang="zh-CN"/>
               <a:t>http://www.h2o.ai/product</a:t>
             </a:r>
             <a:r>
-              <a:rPr lang="en-US" altLang="zh-CN" dirty="0" smtClean="0"/>
+              <a:rPr lang="en-US" altLang="zh-CN" smtClean="0"/>
               <a:t>/</a:t>
             </a:r>
           </a:p>
@@ -4707,7 +6105,7 @@
               <a:rPr lang="zh-CN" altLang="en-US" smtClean="0"/>
               <a:t>结论</a:t>
             </a:r>
-            <a:endParaRPr lang="zh-CN" altLang="en-US" dirty="0"/>
+            <a:endParaRPr lang="zh-CN" altLang="en-US"/>
           </a:p>
         </p:txBody>
       </p:sp>
@@ -4717,114 +6115,6 @@
         <p14:creationId xmlns:p14="http://schemas.microsoft.com/office/powerpoint/2010/main" val="2297341836"/>
       </p:ext>
     </p:extLst>
-  </p:cSld>
-  <p:clrMapOvr>
-    <a:masterClrMapping/>
-  </p:clrMapOvr>
-  <p:timing>
-    <p:tnLst>
-      <p:par>
-        <p:cTn id="1" dur="indefinite" restart="never" nodeType="tmRoot"/>
-      </p:par>
-    </p:tnLst>
-  </p:timing>
-</p:sld>
-</file>
-
-<file path=ppt/slides/slide6.xml><?xml version="1.0" encoding="utf-8"?>
-<p:sld xmlns:a="http://schemas.openxmlformats.org/drawingml/2006/main" xmlns:r="http://schemas.openxmlformats.org/officeDocument/2006/relationships" xmlns:p="http://schemas.openxmlformats.org/presentationml/2006/main">
-  <p:cSld>
-    <p:spTree>
-      <p:nvGrpSpPr>
-        <p:cNvPr id="1" name=""/>
-        <p:cNvGrpSpPr/>
-        <p:nvPr/>
-      </p:nvGrpSpPr>
-      <p:grpSpPr>
-        <a:xfrm>
-          <a:off x="0" y="0"/>
-          <a:ext cx="0" cy="0"/>
-          <a:chOff x="0" y="0"/>
-          <a:chExt cx="0" cy="0"/>
-        </a:xfrm>
-      </p:grpSpPr>
-      <p:sp>
-        <p:nvSpPr>
-          <p:cNvPr id="11" name="矩形 10"/>
-          <p:cNvSpPr/>
-          <p:nvPr/>
-        </p:nvSpPr>
-        <p:spPr>
-          <a:xfrm>
-            <a:off x="2627784" y="1943943"/>
-            <a:ext cx="3456384" cy="1862048"/>
-          </a:xfrm>
-          <a:prstGeom prst="rect">
-            <a:avLst/>
-          </a:prstGeom>
-        </p:spPr>
-        <p:txBody>
-          <a:bodyPr wrap="square">
-            <a:spAutoFit/>
-          </a:bodyPr>
-          <a:lstStyle/>
-          <a:p>
-            <a:r>
-              <a:rPr lang="en-US" altLang="zh-CN" sz="11500" b="1" dirty="0" smtClean="0">
-                <a:solidFill>
-                  <a:srgbClr val="3389CA"/>
-                </a:solidFill>
-                <a:latin typeface="Helvetica" pitchFamily="34" charset="0"/>
-              </a:rPr>
-              <a:t>Q&amp;A</a:t>
-            </a:r>
-            <a:endParaRPr lang="zh-CN" altLang="en-US" sz="11500" b="1" dirty="0">
-              <a:solidFill>
-                <a:srgbClr val="3389CA"/>
-              </a:solidFill>
-              <a:latin typeface="Helvetica" pitchFamily="34" charset="0"/>
-            </a:endParaRPr>
-          </a:p>
-        </p:txBody>
-      </p:sp>
-    </p:spTree>
-    <p:extLst>
-      <p:ext uri="{BB962C8B-B14F-4D97-AF65-F5344CB8AC3E}">
-        <p14:creationId xmlns:p14="http://schemas.microsoft.com/office/powerpoint/2010/main" val="1549043004"/>
-      </p:ext>
-    </p:extLst>
-  </p:cSld>
-  <p:clrMapOvr>
-    <a:masterClrMapping/>
-  </p:clrMapOvr>
-  <p:timing>
-    <p:tnLst>
-      <p:par>
-        <p:cTn id="1" dur="indefinite" restart="never" nodeType="tmRoot"/>
-      </p:par>
-    </p:tnLst>
-  </p:timing>
-</p:sld>
-</file>
-
-<file path=ppt/slides/slide7.xml><?xml version="1.0" encoding="utf-8"?>
-<p:sld xmlns:a="http://schemas.openxmlformats.org/drawingml/2006/main" xmlns:r="http://schemas.openxmlformats.org/officeDocument/2006/relationships" xmlns:p="http://schemas.openxmlformats.org/presentationml/2006/main">
-  <p:cSld>
-    <p:spTree>
-      <p:nvGrpSpPr>
-        <p:cNvPr id="1" name=""/>
-        <p:cNvGrpSpPr/>
-        <p:nvPr/>
-      </p:nvGrpSpPr>
-      <p:grpSpPr>
-        <a:xfrm>
-          <a:off x="0" y="0"/>
-          <a:ext cx="0" cy="0"/>
-          <a:chOff x="0" y="0"/>
-          <a:chExt cx="0" cy="0"/>
-        </a:xfrm>
-      </p:grpSpPr>
-    </p:spTree>
   </p:cSld>
   <p:clrMapOvr>
     <a:masterClrMapping/>
